--- a/baocaodoan.pptx
+++ b/baocaodoan.pptx
@@ -111,6 +111,11 @@
       </a:defRPr>
     </a:lvl9pPr>
   </p:defaultTextStyle>
+  <p:extLst>
+    <p:ext uri="{EFAFB233-063F-42B5-8137-9DF3F51BA10A}">
+      <p15:sldGuideLst xmlns:p15="http://schemas.microsoft.com/office/powerpoint/2012/main"/>
+    </p:ext>
+  </p:extLst>
 </p:presentation>
 </file>
 
@@ -13654,7 +13659,23 @@
                   <a:schemeClr val="tx1"/>
                 </a:solidFill>
               </a:rPr>
-              <a:t>Bad: agility, deploy, performance, </a:t>
+              <a:t>Bad: agility, deploy, </a:t>
+            </a:r>
+            <a:r>
+              <a:rPr lang="en-US" dirty="0" smtClean="0">
+                <a:solidFill>
+                  <a:schemeClr val="tx1"/>
+                </a:solidFill>
+              </a:rPr>
+              <a:t>performance</a:t>
+            </a:r>
+            <a:r>
+              <a:rPr lang="en-US" dirty="0" smtClean="0">
+                <a:solidFill>
+                  <a:schemeClr val="tx1"/>
+                </a:solidFill>
+              </a:rPr>
+              <a:t>, </a:t>
             </a:r>
             <a:r>
               <a:rPr lang="en-US" dirty="0" err="1" smtClean="0">
@@ -13663,6 +13684,21 @@
                 </a:solidFill>
               </a:rPr>
               <a:t>scalablity</a:t>
+            </a:r>
+            <a:endParaRPr lang="en-US" dirty="0" smtClean="0">
+              <a:solidFill>
+                <a:schemeClr val="tx1"/>
+              </a:solidFill>
+            </a:endParaRPr>
+          </a:p>
+          <a:p>
+            <a:r>
+              <a:rPr lang="en-US" dirty="0" smtClean="0">
+                <a:solidFill>
+                  <a:schemeClr val="tx1"/>
+                </a:solidFill>
+              </a:rPr>
+              <a:t>Natural choice.</a:t>
             </a:r>
             <a:endParaRPr lang="vi-VN" dirty="0">
               <a:solidFill>
@@ -14157,15 +14193,7 @@
                   <a:srgbClr val="00B050"/>
                 </a:solidFill>
               </a:rPr>
-              <a:t>back</a:t>
-            </a:r>
-            <a:r>
-              <a:rPr lang="en-GB" b="1" dirty="0" smtClean="0">
-                <a:solidFill>
-                  <a:srgbClr val="00B050"/>
-                </a:solidFill>
-              </a:rPr>
-              <a:t>-end</a:t>
+              <a:t>back-end</a:t>
             </a:r>
             <a:endParaRPr lang="vi-VN" b="1" dirty="0" smtClean="0">
               <a:solidFill>
@@ -14715,25 +14743,8 @@
                   </a:schemeClr>
                 </a:solidFill>
               </a:rPr>
-              <a:t>Login, register, bình luận, đánh giá sản phẩm, </a:t>
-            </a:r>
-            <a:r>
-              <a:rPr lang="en-US" b="1" dirty="0" smtClean="0">
-                <a:solidFill>
-                  <a:schemeClr val="accent5">
-                    <a:lumMod val="75000"/>
-                  </a:schemeClr>
-                </a:solidFill>
-              </a:rPr>
-              <a:t>chức năng cart</a:t>
-            </a:r>
-            <a:endParaRPr lang="en-US" b="1" dirty="0" smtClean="0">
-              <a:solidFill>
-                <a:schemeClr val="accent5">
-                  <a:lumMod val="75000"/>
-                </a:schemeClr>
-              </a:solidFill>
-            </a:endParaRPr>
+              <a:t>Login, register, bình luận, đánh giá sản phẩm, chức năng cart</a:t>
+            </a:r>
           </a:p>
           <a:p>
             <a:pPr marL="342900" indent="-342900">

--- a/baocaodoan.pptx
+++ b/baocaodoan.pptx
@@ -10,9 +10,11 @@
     <p:sldId id="259" r:id="rId4"/>
     <p:sldId id="258" r:id="rId5"/>
     <p:sldId id="260" r:id="rId6"/>
-    <p:sldId id="261" r:id="rId7"/>
-    <p:sldId id="262" r:id="rId8"/>
-    <p:sldId id="263" r:id="rId9"/>
+    <p:sldId id="264" r:id="rId7"/>
+    <p:sldId id="265" r:id="rId8"/>
+    <p:sldId id="261" r:id="rId9"/>
+    <p:sldId id="262" r:id="rId10"/>
+    <p:sldId id="263" r:id="rId11"/>
   </p:sldIdLst>
   <p:sldSz cx="12192000" cy="6858000"/>
   <p:notesSz cx="6858000" cy="9144000"/>
@@ -295,7 +297,7 @@
           </a:lstStyle>
           <a:p>
             <a:r>
-              <a:rPr lang="en-US" smtClean="0"/>
+              <a:rPr lang="en-US"/>
               <a:t>Click to edit Master title style</a:t>
             </a:r>
             <a:endParaRPr lang="en-US" dirty="0"/>
@@ -415,7 +417,7 @@
           </a:lstStyle>
           <a:p>
             <a:r>
-              <a:rPr lang="en-US" smtClean="0"/>
+              <a:rPr lang="en-US"/>
               <a:t>Click to edit Master subtitle style</a:t>
             </a:r>
             <a:endParaRPr lang="en-US" dirty="0"/>
@@ -454,7 +456,7 @@
           <a:p>
             <a:fld id="{E3790977-40D0-4B44-8CC5-4B3BF4EAE96F}" type="datetimeFigureOut">
               <a:rPr lang="vi-VN" smtClean="0"/>
-              <a:t>28/05/2023</a:t>
+              <a:t>29/05/2023</a:t>
             </a:fld>
             <a:endParaRPr lang="vi-VN"/>
           </a:p>
@@ -1365,7 +1367,7 @@
           </a:lstStyle>
           <a:p>
             <a:r>
-              <a:rPr lang="en-US" smtClean="0"/>
+              <a:rPr lang="en-US"/>
               <a:t>Click to edit Master title style</a:t>
             </a:r>
             <a:endParaRPr lang="en-US" dirty="0"/>
@@ -1444,7 +1446,7 @@
           </a:lstStyle>
           <a:p>
             <a:r>
-              <a:rPr lang="en-US" smtClean="0"/>
+              <a:rPr lang="en-US"/>
               <a:t>Click icon to add picture</a:t>
             </a:r>
             <a:endParaRPr lang="en-US" dirty="0"/>
@@ -1519,7 +1521,7 @@
           <a:p>
             <a:pPr lvl="0"/>
             <a:r>
-              <a:rPr lang="en-US" smtClean="0"/>
+              <a:rPr lang="en-US"/>
               <a:t>Edit Master text styles</a:t>
             </a:r>
           </a:p>
@@ -1542,7 +1544,7 @@
           <a:p>
             <a:fld id="{E3790977-40D0-4B44-8CC5-4B3BF4EAE96F}" type="datetimeFigureOut">
               <a:rPr lang="vi-VN" smtClean="0"/>
-              <a:t>28/05/2023</a:t>
+              <a:t>29/05/2023</a:t>
             </a:fld>
             <a:endParaRPr lang="vi-VN"/>
           </a:p>
@@ -2431,7 +2433,7 @@
           </a:lstStyle>
           <a:p>
             <a:r>
-              <a:rPr lang="en-US" smtClean="0"/>
+              <a:rPr lang="en-US"/>
               <a:t>Click to edit Master title style</a:t>
             </a:r>
             <a:endParaRPr lang="en-US" dirty="0"/>
@@ -2499,7 +2501,7 @@
           <a:p>
             <a:pPr lvl="0"/>
             <a:r>
-              <a:rPr lang="en-US" smtClean="0"/>
+              <a:rPr lang="en-US"/>
               <a:t>Edit Master text styles</a:t>
             </a:r>
           </a:p>
@@ -2522,7 +2524,7 @@
           <a:p>
             <a:fld id="{E3790977-40D0-4B44-8CC5-4B3BF4EAE96F}" type="datetimeFigureOut">
               <a:rPr lang="vi-VN" smtClean="0"/>
-              <a:t>28/05/2023</a:t>
+              <a:t>29/05/2023</a:t>
             </a:fld>
             <a:endParaRPr lang="vi-VN"/>
           </a:p>
@@ -3489,7 +3491,7 @@
           </a:lstStyle>
           <a:p>
             <a:r>
-              <a:rPr lang="en-US" smtClean="0"/>
+              <a:rPr lang="en-US"/>
               <a:t>Click to edit Master title style</a:t>
             </a:r>
             <a:endParaRPr lang="en-US" dirty="0"/>
@@ -3566,7 +3568,7 @@
           <a:p>
             <a:pPr lvl="0"/>
             <a:r>
-              <a:rPr lang="en-US" smtClean="0"/>
+              <a:rPr lang="en-US"/>
               <a:t>Edit Master text styles</a:t>
             </a:r>
           </a:p>
@@ -3633,7 +3635,7 @@
           <a:p>
             <a:pPr lvl="0"/>
             <a:r>
-              <a:rPr lang="en-US" smtClean="0"/>
+              <a:rPr lang="en-US"/>
               <a:t>Edit Master text styles</a:t>
             </a:r>
           </a:p>
@@ -3656,7 +3658,7 @@
           <a:p>
             <a:fld id="{E3790977-40D0-4B44-8CC5-4B3BF4EAE96F}" type="datetimeFigureOut">
               <a:rPr lang="vi-VN" smtClean="0"/>
-              <a:t>28/05/2023</a:t>
+              <a:t>29/05/2023</a:t>
             </a:fld>
             <a:endParaRPr lang="vi-VN"/>
           </a:p>
@@ -4545,7 +4547,7 @@
           </a:lstStyle>
           <a:p>
             <a:r>
-              <a:rPr lang="en-US" smtClean="0"/>
+              <a:rPr lang="en-US"/>
               <a:t>Click to edit Master title style</a:t>
             </a:r>
             <a:endParaRPr lang="en-US" dirty="0"/>
@@ -4666,7 +4668,7 @@
           <a:p>
             <a:pPr lvl="0"/>
             <a:r>
-              <a:rPr lang="en-US" smtClean="0"/>
+              <a:rPr lang="en-US"/>
               <a:t>Edit Master text styles</a:t>
             </a:r>
           </a:p>
@@ -4689,7 +4691,7 @@
           <a:p>
             <a:fld id="{E3790977-40D0-4B44-8CC5-4B3BF4EAE96F}" type="datetimeFigureOut">
               <a:rPr lang="vi-VN" smtClean="0"/>
-              <a:t>28/05/2023</a:t>
+              <a:t>29/05/2023</a:t>
             </a:fld>
             <a:endParaRPr lang="vi-VN"/>
           </a:p>
@@ -4828,7 +4830,7 @@
           </a:lstStyle>
           <a:p>
             <a:r>
-              <a:rPr lang="en-US" smtClean="0"/>
+              <a:rPr lang="en-US"/>
               <a:t>Click to edit Master title style</a:t>
             </a:r>
             <a:endParaRPr lang="en-US" dirty="0"/>
@@ -4903,7 +4905,7 @@
           <a:p>
             <a:pPr lvl="0"/>
             <a:r>
-              <a:rPr lang="en-US" smtClean="0"/>
+              <a:rPr lang="en-US"/>
               <a:t>Edit Master text styles</a:t>
             </a:r>
           </a:p>
@@ -4970,7 +4972,7 @@
           <a:p>
             <a:pPr lvl="0"/>
             <a:r>
-              <a:rPr lang="en-US" smtClean="0"/>
+              <a:rPr lang="en-US"/>
               <a:t>Edit Master text styles</a:t>
             </a:r>
           </a:p>
@@ -5044,7 +5046,7 @@
           <a:p>
             <a:pPr lvl="0"/>
             <a:r>
-              <a:rPr lang="en-US" smtClean="0"/>
+              <a:rPr lang="en-US"/>
               <a:t>Edit Master text styles</a:t>
             </a:r>
           </a:p>
@@ -5111,7 +5113,7 @@
           <a:p>
             <a:pPr lvl="0"/>
             <a:r>
-              <a:rPr lang="en-US" smtClean="0"/>
+              <a:rPr lang="en-US"/>
               <a:t>Edit Master text styles</a:t>
             </a:r>
           </a:p>
@@ -5185,7 +5187,7 @@
           <a:p>
             <a:pPr lvl="0"/>
             <a:r>
-              <a:rPr lang="en-US" smtClean="0"/>
+              <a:rPr lang="en-US"/>
               <a:t>Edit Master text styles</a:t>
             </a:r>
           </a:p>
@@ -5252,7 +5254,7 @@
           <a:p>
             <a:pPr lvl="0"/>
             <a:r>
-              <a:rPr lang="en-US" smtClean="0"/>
+              <a:rPr lang="en-US"/>
               <a:t>Edit Master text styles</a:t>
             </a:r>
           </a:p>
@@ -5349,7 +5351,7 @@
           <a:p>
             <a:fld id="{E3790977-40D0-4B44-8CC5-4B3BF4EAE96F}" type="datetimeFigureOut">
               <a:rPr lang="vi-VN" smtClean="0"/>
-              <a:t>28/05/2023</a:t>
+              <a:t>29/05/2023</a:t>
             </a:fld>
             <a:endParaRPr lang="vi-VN"/>
           </a:p>
@@ -5452,7 +5454,7 @@
           </a:lstStyle>
           <a:p>
             <a:r>
-              <a:rPr lang="en-US" smtClean="0"/>
+              <a:rPr lang="en-US"/>
               <a:t>Click to edit Master title style</a:t>
             </a:r>
             <a:endParaRPr lang="en-US" dirty="0"/>
@@ -5527,7 +5529,7 @@
           <a:p>
             <a:pPr lvl="0"/>
             <a:r>
-              <a:rPr lang="en-US" smtClean="0"/>
+              <a:rPr lang="en-US"/>
               <a:t>Edit Master text styles</a:t>
             </a:r>
           </a:p>
@@ -5605,7 +5607,7 @@
           </a:lstStyle>
           <a:p>
             <a:r>
-              <a:rPr lang="en-US" smtClean="0"/>
+              <a:rPr lang="en-US"/>
               <a:t>Click icon to add picture</a:t>
             </a:r>
             <a:endParaRPr lang="en-US" dirty="0"/>
@@ -5673,7 +5675,7 @@
           <a:p>
             <a:pPr lvl="0"/>
             <a:r>
-              <a:rPr lang="en-US" smtClean="0"/>
+              <a:rPr lang="en-US"/>
               <a:t>Edit Master text styles</a:t>
             </a:r>
           </a:p>
@@ -5747,7 +5749,7 @@
           <a:p>
             <a:pPr lvl="0"/>
             <a:r>
-              <a:rPr lang="en-US" smtClean="0"/>
+              <a:rPr lang="en-US"/>
               <a:t>Edit Master text styles</a:t>
             </a:r>
           </a:p>
@@ -5825,7 +5827,7 @@
           </a:lstStyle>
           <a:p>
             <a:r>
-              <a:rPr lang="en-US" smtClean="0"/>
+              <a:rPr lang="en-US"/>
               <a:t>Click icon to add picture</a:t>
             </a:r>
             <a:endParaRPr lang="en-US" dirty="0"/>
@@ -5893,7 +5895,7 @@
           <a:p>
             <a:pPr lvl="0"/>
             <a:r>
-              <a:rPr lang="en-US" smtClean="0"/>
+              <a:rPr lang="en-US"/>
               <a:t>Edit Master text styles</a:t>
             </a:r>
           </a:p>
@@ -5967,7 +5969,7 @@
           <a:p>
             <a:pPr lvl="0"/>
             <a:r>
-              <a:rPr lang="en-US" smtClean="0"/>
+              <a:rPr lang="en-US"/>
               <a:t>Edit Master text styles</a:t>
             </a:r>
           </a:p>
@@ -6045,7 +6047,7 @@
           </a:lstStyle>
           <a:p>
             <a:r>
-              <a:rPr lang="en-US" smtClean="0"/>
+              <a:rPr lang="en-US"/>
               <a:t>Click icon to add picture</a:t>
             </a:r>
             <a:endParaRPr lang="en-US" dirty="0"/>
@@ -6113,7 +6115,7 @@
           <a:p>
             <a:pPr lvl="0"/>
             <a:r>
-              <a:rPr lang="en-US" smtClean="0"/>
+              <a:rPr lang="en-US"/>
               <a:t>Edit Master text styles</a:t>
             </a:r>
           </a:p>
@@ -6210,7 +6212,7 @@
           <a:p>
             <a:fld id="{E3790977-40D0-4B44-8CC5-4B3BF4EAE96F}" type="datetimeFigureOut">
               <a:rPr lang="vi-VN" smtClean="0"/>
-              <a:t>28/05/2023</a:t>
+              <a:t>29/05/2023</a:t>
             </a:fld>
             <a:endParaRPr lang="vi-VN"/>
           </a:p>
@@ -6314,7 +6316,7 @@
           <a:lstStyle/>
           <a:p>
             <a:r>
-              <a:rPr lang="en-US" smtClean="0"/>
+              <a:rPr lang="en-US"/>
               <a:t>Click to edit Master title style</a:t>
             </a:r>
             <a:endParaRPr lang="en-US" dirty="0"/>
@@ -6343,35 +6345,35 @@
           <a:p>
             <a:pPr lvl="0"/>
             <a:r>
-              <a:rPr lang="en-US" smtClean="0"/>
+              <a:rPr lang="en-US"/>
               <a:t>Edit Master text styles</a:t>
             </a:r>
           </a:p>
           <a:p>
             <a:pPr lvl="1"/>
             <a:r>
-              <a:rPr lang="en-US" smtClean="0"/>
+              <a:rPr lang="en-US"/>
               <a:t>Second level</a:t>
             </a:r>
           </a:p>
           <a:p>
             <a:pPr lvl="2"/>
             <a:r>
-              <a:rPr lang="en-US" smtClean="0"/>
+              <a:rPr lang="en-US"/>
               <a:t>Third level</a:t>
             </a:r>
           </a:p>
           <a:p>
             <a:pPr lvl="3"/>
             <a:r>
-              <a:rPr lang="en-US" smtClean="0"/>
+              <a:rPr lang="en-US"/>
               <a:t>Fourth level</a:t>
             </a:r>
           </a:p>
           <a:p>
             <a:pPr lvl="4"/>
             <a:r>
-              <a:rPr lang="en-US" smtClean="0"/>
+              <a:rPr lang="en-US"/>
               <a:t>Fifth level</a:t>
             </a:r>
             <a:endParaRPr lang="en-US" dirty="0"/>
@@ -6400,7 +6402,7 @@
           <a:p>
             <a:fld id="{E3790977-40D0-4B44-8CC5-4B3BF4EAE96F}" type="datetimeFigureOut">
               <a:rPr lang="vi-VN" smtClean="0"/>
-              <a:t>28/05/2023</a:t>
+              <a:t>29/05/2023</a:t>
             </a:fld>
             <a:endParaRPr lang="vi-VN"/>
           </a:p>
@@ -7286,7 +7288,7 @@
           <a:lstStyle/>
           <a:p>
             <a:r>
-              <a:rPr lang="en-US" smtClean="0"/>
+              <a:rPr lang="en-US"/>
               <a:t>Click to edit Master title style</a:t>
             </a:r>
             <a:endParaRPr lang="en-US" dirty="0"/>
@@ -7315,35 +7317,35 @@
           <a:p>
             <a:pPr lvl="0"/>
             <a:r>
-              <a:rPr lang="en-US" smtClean="0"/>
+              <a:rPr lang="en-US"/>
               <a:t>Edit Master text styles</a:t>
             </a:r>
           </a:p>
           <a:p>
             <a:pPr lvl="1"/>
             <a:r>
-              <a:rPr lang="en-US" smtClean="0"/>
+              <a:rPr lang="en-US"/>
               <a:t>Second level</a:t>
             </a:r>
           </a:p>
           <a:p>
             <a:pPr lvl="2"/>
             <a:r>
-              <a:rPr lang="en-US" smtClean="0"/>
+              <a:rPr lang="en-US"/>
               <a:t>Third level</a:t>
             </a:r>
           </a:p>
           <a:p>
             <a:pPr lvl="3"/>
             <a:r>
-              <a:rPr lang="en-US" smtClean="0"/>
+              <a:rPr lang="en-US"/>
               <a:t>Fourth level</a:t>
             </a:r>
           </a:p>
           <a:p>
             <a:pPr lvl="4"/>
             <a:r>
-              <a:rPr lang="en-US" smtClean="0"/>
+              <a:rPr lang="en-US"/>
               <a:t>Fifth level</a:t>
             </a:r>
             <a:endParaRPr lang="en-US" dirty="0"/>
@@ -7372,7 +7374,7 @@
           <a:p>
             <a:fld id="{E3790977-40D0-4B44-8CC5-4B3BF4EAE96F}" type="datetimeFigureOut">
               <a:rPr lang="vi-VN" smtClean="0"/>
-              <a:t>28/05/2023</a:t>
+              <a:t>29/05/2023</a:t>
             </a:fld>
             <a:endParaRPr lang="vi-VN"/>
           </a:p>
@@ -7502,7 +7504,7 @@
           <a:lstStyle/>
           <a:p>
             <a:r>
-              <a:rPr lang="en-US" smtClean="0"/>
+              <a:rPr lang="en-US"/>
               <a:t>Click to edit Master title style</a:t>
             </a:r>
             <a:endParaRPr lang="en-US" dirty="0"/>
@@ -7531,35 +7533,35 @@
           <a:p>
             <a:pPr lvl="0"/>
             <a:r>
-              <a:rPr lang="en-US" smtClean="0"/>
+              <a:rPr lang="en-US"/>
               <a:t>Edit Master text styles</a:t>
             </a:r>
           </a:p>
           <a:p>
             <a:pPr lvl="1"/>
             <a:r>
-              <a:rPr lang="en-US" smtClean="0"/>
+              <a:rPr lang="en-US"/>
               <a:t>Second level</a:t>
             </a:r>
           </a:p>
           <a:p>
             <a:pPr lvl="2"/>
             <a:r>
-              <a:rPr lang="en-US" smtClean="0"/>
+              <a:rPr lang="en-US"/>
               <a:t>Third level</a:t>
             </a:r>
           </a:p>
           <a:p>
             <a:pPr lvl="3"/>
             <a:r>
-              <a:rPr lang="en-US" smtClean="0"/>
+              <a:rPr lang="en-US"/>
               <a:t>Fourth level</a:t>
             </a:r>
           </a:p>
           <a:p>
             <a:pPr lvl="4"/>
             <a:r>
-              <a:rPr lang="en-US" smtClean="0"/>
+              <a:rPr lang="en-US"/>
               <a:t>Fifth level</a:t>
             </a:r>
             <a:endParaRPr lang="en-US" dirty="0"/>
@@ -7583,7 +7585,7 @@
           <a:p>
             <a:fld id="{E3790977-40D0-4B44-8CC5-4B3BF4EAE96F}" type="datetimeFigureOut">
               <a:rPr lang="vi-VN" smtClean="0"/>
-              <a:t>28/05/2023</a:t>
+              <a:t>29/05/2023</a:t>
             </a:fld>
             <a:endParaRPr lang="vi-VN"/>
           </a:p>
@@ -8473,7 +8475,7 @@
           </a:lstStyle>
           <a:p>
             <a:r>
-              <a:rPr lang="en-US" smtClean="0"/>
+              <a:rPr lang="en-US"/>
               <a:t>Click to edit Master title style</a:t>
             </a:r>
             <a:endParaRPr lang="en-US" dirty="0"/>
@@ -8594,7 +8596,7 @@
           <a:p>
             <a:pPr lvl="0"/>
             <a:r>
-              <a:rPr lang="en-US" smtClean="0"/>
+              <a:rPr lang="en-US"/>
               <a:t>Edit Master text styles</a:t>
             </a:r>
           </a:p>
@@ -8617,7 +8619,7 @@
           <a:p>
             <a:fld id="{E3790977-40D0-4B44-8CC5-4B3BF4EAE96F}" type="datetimeFigureOut">
               <a:rPr lang="vi-VN" smtClean="0"/>
-              <a:t>28/05/2023</a:t>
+              <a:t>29/05/2023</a:t>
             </a:fld>
             <a:endParaRPr lang="vi-VN"/>
           </a:p>
@@ -8747,7 +8749,7 @@
           <a:lstStyle/>
           <a:p>
             <a:r>
-              <a:rPr lang="en-US" smtClean="0"/>
+              <a:rPr lang="en-US"/>
               <a:t>Click to edit Master title style</a:t>
             </a:r>
             <a:endParaRPr lang="en-US" dirty="0"/>
@@ -8778,35 +8780,35 @@
           <a:p>
             <a:pPr lvl="0"/>
             <a:r>
-              <a:rPr lang="en-US" smtClean="0"/>
+              <a:rPr lang="en-US"/>
               <a:t>Edit Master text styles</a:t>
             </a:r>
           </a:p>
           <a:p>
             <a:pPr lvl="1"/>
             <a:r>
-              <a:rPr lang="en-US" smtClean="0"/>
+              <a:rPr lang="en-US"/>
               <a:t>Second level</a:t>
             </a:r>
           </a:p>
           <a:p>
             <a:pPr lvl="2"/>
             <a:r>
-              <a:rPr lang="en-US" smtClean="0"/>
+              <a:rPr lang="en-US"/>
               <a:t>Third level</a:t>
             </a:r>
           </a:p>
           <a:p>
             <a:pPr lvl="3"/>
             <a:r>
-              <a:rPr lang="en-US" smtClean="0"/>
+              <a:rPr lang="en-US"/>
               <a:t>Fourth level</a:t>
             </a:r>
           </a:p>
           <a:p>
             <a:pPr lvl="4"/>
             <a:r>
-              <a:rPr lang="en-US" smtClean="0"/>
+              <a:rPr lang="en-US"/>
               <a:t>Fifth level</a:t>
             </a:r>
             <a:endParaRPr lang="en-US" dirty="0"/>
@@ -8837,35 +8839,35 @@
           <a:p>
             <a:pPr lvl="0"/>
             <a:r>
-              <a:rPr lang="en-US" smtClean="0"/>
+              <a:rPr lang="en-US"/>
               <a:t>Edit Master text styles</a:t>
             </a:r>
           </a:p>
           <a:p>
             <a:pPr lvl="1"/>
             <a:r>
-              <a:rPr lang="en-US" smtClean="0"/>
+              <a:rPr lang="en-US"/>
               <a:t>Second level</a:t>
             </a:r>
           </a:p>
           <a:p>
             <a:pPr lvl="2"/>
             <a:r>
-              <a:rPr lang="en-US" smtClean="0"/>
+              <a:rPr lang="en-US"/>
               <a:t>Third level</a:t>
             </a:r>
           </a:p>
           <a:p>
             <a:pPr lvl="3"/>
             <a:r>
-              <a:rPr lang="en-US" smtClean="0"/>
+              <a:rPr lang="en-US"/>
               <a:t>Fourth level</a:t>
             </a:r>
           </a:p>
           <a:p>
             <a:pPr lvl="4"/>
             <a:r>
-              <a:rPr lang="en-US" smtClean="0"/>
+              <a:rPr lang="en-US"/>
               <a:t>Fifth level</a:t>
             </a:r>
             <a:endParaRPr lang="en-US" dirty="0"/>
@@ -8889,7 +8891,7 @@
           <a:p>
             <a:fld id="{E3790977-40D0-4B44-8CC5-4B3BF4EAE96F}" type="datetimeFigureOut">
               <a:rPr lang="vi-VN" smtClean="0"/>
-              <a:t>28/05/2023</a:t>
+              <a:t>29/05/2023</a:t>
             </a:fld>
             <a:endParaRPr lang="vi-VN"/>
           </a:p>
@@ -8987,7 +8989,7 @@
           </a:lstStyle>
           <a:p>
             <a:r>
-              <a:rPr lang="en-US" smtClean="0"/>
+              <a:rPr lang="en-US"/>
               <a:t>Click to edit Master title style</a:t>
             </a:r>
             <a:endParaRPr lang="en-US" dirty="0"/>
@@ -9059,7 +9061,7 @@
           <a:p>
             <a:pPr lvl="0"/>
             <a:r>
-              <a:rPr lang="en-US" smtClean="0"/>
+              <a:rPr lang="en-US"/>
               <a:t>Edit Master text styles</a:t>
             </a:r>
           </a:p>
@@ -9089,35 +9091,35 @@
           <a:p>
             <a:pPr lvl="0"/>
             <a:r>
-              <a:rPr lang="en-US" smtClean="0"/>
+              <a:rPr lang="en-US"/>
               <a:t>Edit Master text styles</a:t>
             </a:r>
           </a:p>
           <a:p>
             <a:pPr lvl="1"/>
             <a:r>
-              <a:rPr lang="en-US" smtClean="0"/>
+              <a:rPr lang="en-US"/>
               <a:t>Second level</a:t>
             </a:r>
           </a:p>
           <a:p>
             <a:pPr lvl="2"/>
             <a:r>
-              <a:rPr lang="en-US" smtClean="0"/>
+              <a:rPr lang="en-US"/>
               <a:t>Third level</a:t>
             </a:r>
           </a:p>
           <a:p>
             <a:pPr lvl="3"/>
             <a:r>
-              <a:rPr lang="en-US" smtClean="0"/>
+              <a:rPr lang="en-US"/>
               <a:t>Fourth level</a:t>
             </a:r>
           </a:p>
           <a:p>
             <a:pPr lvl="4"/>
             <a:r>
-              <a:rPr lang="en-US" smtClean="0"/>
+              <a:rPr lang="en-US"/>
               <a:t>Fifth level</a:t>
             </a:r>
             <a:endParaRPr lang="en-US" dirty="0"/>
@@ -9189,7 +9191,7 @@
           <a:p>
             <a:pPr lvl="0"/>
             <a:r>
-              <a:rPr lang="en-US" smtClean="0"/>
+              <a:rPr lang="en-US"/>
               <a:t>Edit Master text styles</a:t>
             </a:r>
           </a:p>
@@ -9247,35 +9249,35 @@
           <a:p>
             <a:pPr lvl="0"/>
             <a:r>
-              <a:rPr lang="en-US" smtClean="0"/>
+              <a:rPr lang="en-US"/>
               <a:t>Edit Master text styles</a:t>
             </a:r>
           </a:p>
           <a:p>
             <a:pPr lvl="1"/>
             <a:r>
-              <a:rPr lang="en-US" smtClean="0"/>
+              <a:rPr lang="en-US"/>
               <a:t>Second level</a:t>
             </a:r>
           </a:p>
           <a:p>
             <a:pPr lvl="2"/>
             <a:r>
-              <a:rPr lang="en-US" smtClean="0"/>
+              <a:rPr lang="en-US"/>
               <a:t>Third level</a:t>
             </a:r>
           </a:p>
           <a:p>
             <a:pPr lvl="3"/>
             <a:r>
-              <a:rPr lang="en-US" smtClean="0"/>
+              <a:rPr lang="en-US"/>
               <a:t>Fourth level</a:t>
             </a:r>
           </a:p>
           <a:p>
             <a:pPr lvl="4"/>
             <a:r>
-              <a:rPr lang="en-US" smtClean="0"/>
+              <a:rPr lang="en-US"/>
               <a:t>Fifth level</a:t>
             </a:r>
             <a:endParaRPr lang="en-US" dirty="0"/>
@@ -9299,7 +9301,7 @@
           <a:p>
             <a:fld id="{E3790977-40D0-4B44-8CC5-4B3BF4EAE96F}" type="datetimeFigureOut">
               <a:rPr lang="vi-VN" smtClean="0"/>
-              <a:t>28/05/2023</a:t>
+              <a:t>29/05/2023</a:t>
             </a:fld>
             <a:endParaRPr lang="vi-VN"/>
           </a:p>
@@ -9402,7 +9404,7 @@
           </a:lstStyle>
           <a:p>
             <a:r>
-              <a:rPr lang="en-US" smtClean="0"/>
+              <a:rPr lang="en-US"/>
               <a:t>Click to edit Master title style</a:t>
             </a:r>
             <a:endParaRPr lang="en-US" dirty="0"/>
@@ -9426,7 +9428,7 @@
           <a:p>
             <a:fld id="{E3790977-40D0-4B44-8CC5-4B3BF4EAE96F}" type="datetimeFigureOut">
               <a:rPr lang="vi-VN" smtClean="0"/>
-              <a:t>28/05/2023</a:t>
+              <a:t>29/05/2023</a:t>
             </a:fld>
             <a:endParaRPr lang="vi-VN"/>
           </a:p>
@@ -9521,7 +9523,7 @@
           <a:p>
             <a:fld id="{E3790977-40D0-4B44-8CC5-4B3BF4EAE96F}" type="datetimeFigureOut">
               <a:rPr lang="vi-VN" smtClean="0"/>
-              <a:t>28/05/2023</a:t>
+              <a:t>29/05/2023</a:t>
             </a:fld>
             <a:endParaRPr lang="vi-VN"/>
           </a:p>
@@ -10447,7 +10449,7 @@
           </a:lstStyle>
           <a:p>
             <a:r>
-              <a:rPr lang="en-US" smtClean="0"/>
+              <a:rPr lang="en-US"/>
               <a:t>Click to edit Master title style</a:t>
             </a:r>
             <a:endParaRPr lang="en-US" dirty="0"/>
@@ -10478,35 +10480,35 @@
           <a:p>
             <a:pPr lvl="0"/>
             <a:r>
-              <a:rPr lang="en-US" smtClean="0"/>
+              <a:rPr lang="en-US"/>
               <a:t>Edit Master text styles</a:t>
             </a:r>
           </a:p>
           <a:p>
             <a:pPr lvl="1"/>
             <a:r>
-              <a:rPr lang="en-US" smtClean="0"/>
+              <a:rPr lang="en-US"/>
               <a:t>Second level</a:t>
             </a:r>
           </a:p>
           <a:p>
             <a:pPr lvl="2"/>
             <a:r>
-              <a:rPr lang="en-US" smtClean="0"/>
+              <a:rPr lang="en-US"/>
               <a:t>Third level</a:t>
             </a:r>
           </a:p>
           <a:p>
             <a:pPr lvl="3"/>
             <a:r>
-              <a:rPr lang="en-US" smtClean="0"/>
+              <a:rPr lang="en-US"/>
               <a:t>Fourth level</a:t>
             </a:r>
           </a:p>
           <a:p>
             <a:pPr lvl="4"/>
             <a:r>
-              <a:rPr lang="en-US" smtClean="0"/>
+              <a:rPr lang="en-US"/>
               <a:t>Fifth level</a:t>
             </a:r>
             <a:endParaRPr lang="en-US" dirty="0"/>
@@ -10579,7 +10581,7 @@
           <a:p>
             <a:pPr lvl="0"/>
             <a:r>
-              <a:rPr lang="en-US" smtClean="0"/>
+              <a:rPr lang="en-US"/>
               <a:t>Edit Master text styles</a:t>
             </a:r>
           </a:p>
@@ -10602,7 +10604,7 @@
           <a:p>
             <a:fld id="{E3790977-40D0-4B44-8CC5-4B3BF4EAE96F}" type="datetimeFigureOut">
               <a:rPr lang="vi-VN" smtClean="0"/>
-              <a:t>28/05/2023</a:t>
+              <a:t>29/05/2023</a:t>
             </a:fld>
             <a:endParaRPr lang="vi-VN"/>
           </a:p>
@@ -11530,7 +11532,7 @@
           </a:lstStyle>
           <a:p>
             <a:r>
-              <a:rPr lang="en-US" smtClean="0"/>
+              <a:rPr lang="en-US"/>
               <a:t>Click to edit Master title style</a:t>
             </a:r>
             <a:endParaRPr lang="en-US" dirty="0"/>
@@ -11612,7 +11614,7 @@
               <a:buNone/>
             </a:pPr>
             <a:r>
-              <a:rPr lang="en-US" smtClean="0"/>
+              <a:rPr lang="en-US"/>
               <a:t>Click icon to add picture</a:t>
             </a:r>
             <a:endParaRPr lang="en-US" dirty="0"/>
@@ -11687,7 +11689,7 @@
           <a:p>
             <a:pPr lvl="0"/>
             <a:r>
-              <a:rPr lang="en-US" smtClean="0"/>
+              <a:rPr lang="en-US"/>
               <a:t>Edit Master text styles</a:t>
             </a:r>
           </a:p>
@@ -11710,7 +11712,7 @@
           <a:p>
             <a:fld id="{E3790977-40D0-4B44-8CC5-4B3BF4EAE96F}" type="datetimeFigureOut">
               <a:rPr lang="vi-VN" smtClean="0"/>
-              <a:t>28/05/2023</a:t>
+              <a:t>29/05/2023</a:t>
             </a:fld>
             <a:endParaRPr lang="vi-VN"/>
           </a:p>
@@ -12605,7 +12607,7 @@
           <a:lstStyle/>
           <a:p>
             <a:r>
-              <a:rPr lang="en-US" smtClean="0"/>
+              <a:rPr lang="en-US"/>
               <a:t>Click to edit Master title style</a:t>
             </a:r>
             <a:endParaRPr lang="en-US" dirty="0"/>
@@ -12639,35 +12641,35 @@
           <a:p>
             <a:pPr lvl="0"/>
             <a:r>
-              <a:rPr lang="en-US" smtClean="0"/>
+              <a:rPr lang="en-US"/>
               <a:t>Edit Master text styles</a:t>
             </a:r>
           </a:p>
           <a:p>
             <a:pPr lvl="1"/>
             <a:r>
-              <a:rPr lang="en-US" smtClean="0"/>
+              <a:rPr lang="en-US"/>
               <a:t>Second level</a:t>
             </a:r>
           </a:p>
           <a:p>
             <a:pPr lvl="2"/>
             <a:r>
-              <a:rPr lang="en-US" smtClean="0"/>
+              <a:rPr lang="en-US"/>
               <a:t>Third level</a:t>
             </a:r>
           </a:p>
           <a:p>
             <a:pPr lvl="3"/>
             <a:r>
-              <a:rPr lang="en-US" smtClean="0"/>
+              <a:rPr lang="en-US"/>
               <a:t>Fourth level</a:t>
             </a:r>
           </a:p>
           <a:p>
             <a:pPr lvl="4"/>
             <a:r>
-              <a:rPr lang="en-US" smtClean="0"/>
+              <a:rPr lang="en-US"/>
               <a:t>Fifth level</a:t>
             </a:r>
             <a:endParaRPr lang="en-US" dirty="0"/>
@@ -12707,7 +12709,7 @@
           <a:p>
             <a:fld id="{E3790977-40D0-4B44-8CC5-4B3BF4EAE96F}" type="datetimeFigureOut">
               <a:rPr lang="vi-VN" smtClean="0"/>
-              <a:t>28/05/2023</a:t>
+              <a:t>29/05/2023</a:t>
             </a:fld>
             <a:endParaRPr lang="vi-VN"/>
           </a:p>
@@ -13282,7 +13284,7 @@
           <a:lstStyle/>
           <a:p>
             <a:r>
-              <a:rPr lang="en-US" dirty="0" smtClean="0"/>
+              <a:rPr lang="en-US" dirty="0"/>
               <a:t>Báo cáo chuyên đề web</a:t>
             </a:r>
             <a:endParaRPr lang="vi-VN" dirty="0"/>
@@ -13305,7 +13307,7 @@
           <a:lstStyle/>
           <a:p>
             <a:r>
-              <a:rPr lang="en-US" dirty="0" smtClean="0"/>
+              <a:rPr lang="en-US" dirty="0"/>
               <a:t>Giảng viên hướng dẫn: lê phi hùng</a:t>
             </a:r>
             <a:endParaRPr lang="vi-VN" dirty="0"/>
@@ -13322,13 +13324,249 @@
   <p:clrMapOvr>
     <a:masterClrMapping/>
   </p:clrMapOvr>
-  <p:timing>
-    <p:tnLst>
-      <p:par>
-        <p:cTn id="1" dur="indefinite" restart="never" nodeType="tmRoot"/>
-      </p:par>
-    </p:tnLst>
-  </p:timing>
+</p:sld>
+</file>
+
+<file path=ppt/slides/slide10.xml><?xml version="1.0" encoding="utf-8"?>
+<p:sld xmlns:a="http://schemas.openxmlformats.org/drawingml/2006/main" xmlns:r="http://schemas.openxmlformats.org/officeDocument/2006/relationships" xmlns:p="http://schemas.openxmlformats.org/presentationml/2006/main">
+  <p:cSld>
+    <p:spTree>
+      <p:nvGrpSpPr>
+        <p:cNvPr id="1" name=""/>
+        <p:cNvGrpSpPr/>
+        <p:nvPr/>
+      </p:nvGrpSpPr>
+      <p:grpSpPr>
+        <a:xfrm>
+          <a:off x="0" y="0"/>
+          <a:ext cx="0" cy="0"/>
+          <a:chOff x="0" y="0"/>
+          <a:chExt cx="0" cy="0"/>
+        </a:xfrm>
+      </p:grpSpPr>
+      <p:sp>
+        <p:nvSpPr>
+          <p:cNvPr id="2" name="Title 1"/>
+          <p:cNvSpPr>
+            <a:spLocks noGrp="1"/>
+          </p:cNvSpPr>
+          <p:nvPr>
+            <p:ph type="title"/>
+          </p:nvPr>
+        </p:nvSpPr>
+        <p:spPr/>
+        <p:txBody>
+          <a:bodyPr/>
+          <a:lstStyle/>
+          <a:p>
+            <a:r>
+              <a:rPr lang="en-US" dirty="0"/>
+              <a:t>4. DEMO</a:t>
+            </a:r>
+          </a:p>
+        </p:txBody>
+      </p:sp>
+      <p:sp>
+        <p:nvSpPr>
+          <p:cNvPr id="5" name="AutoShape 4" descr="Spring Boot"/>
+          <p:cNvSpPr>
+            <a:spLocks noGrp="1" noChangeAspect="1" noChangeArrowheads="1"/>
+          </p:cNvSpPr>
+          <p:nvPr>
+            <p:ph idx="1"/>
+          </p:nvPr>
+        </p:nvSpPr>
+        <p:spPr bwMode="auto">
+          <a:xfrm>
+            <a:off x="680392" y="2337283"/>
+            <a:ext cx="8825659" cy="3416300"/>
+          </a:xfrm>
+          <a:prstGeom prst="rect">
+            <a:avLst/>
+          </a:prstGeom>
+          <a:noFill/>
+          <a:extLst>
+            <a:ext uri="{909E8E84-426E-40DD-AFC4-6F175D3DCCD1}">
+              <a14:hiddenFill xmlns:a14="http://schemas.microsoft.com/office/drawing/2010/main">
+                <a:solidFill>
+                  <a:srgbClr val="FFFFFF"/>
+                </a:solidFill>
+              </a14:hiddenFill>
+            </a:ext>
+          </a:extLst>
+        </p:spPr>
+        <p:txBody>
+          <a:bodyPr vert="horz" wrap="square" lIns="91440" tIns="45720" rIns="91440" bIns="45720" numCol="1" anchor="t" anchorCtr="0" compatLnSpc="1">
+            <a:prstTxWarp prst="textNoShape">
+              <a:avLst/>
+            </a:prstTxWarp>
+          </a:bodyPr>
+          <a:lstStyle/>
+          <a:p>
+            <a:r>
+              <a:rPr lang="en-US" dirty="0"/>
+              <a:t>Luồng DEMO</a:t>
+            </a:r>
+          </a:p>
+          <a:p>
+            <a:endParaRPr lang="vi-VN" dirty="0"/>
+          </a:p>
+        </p:txBody>
+      </p:sp>
+      <p:sp>
+        <p:nvSpPr>
+          <p:cNvPr id="4" name="TextBox 3"/>
+          <p:cNvSpPr txBox="1"/>
+          <p:nvPr/>
+        </p:nvSpPr>
+        <p:spPr>
+          <a:xfrm>
+            <a:off x="913537" y="2921136"/>
+            <a:ext cx="7818166" cy="2308324"/>
+          </a:xfrm>
+          <a:prstGeom prst="rect">
+            <a:avLst/>
+          </a:prstGeom>
+          <a:noFill/>
+        </p:spPr>
+        <p:txBody>
+          <a:bodyPr wrap="none" rtlCol="0">
+            <a:spAutoFit/>
+          </a:bodyPr>
+          <a:lstStyle/>
+          <a:p>
+            <a:pPr marL="342900" indent="-342900">
+              <a:buAutoNum type="arabicPeriod"/>
+            </a:pPr>
+            <a:r>
+              <a:rPr lang="en-US" b="1" dirty="0">
+                <a:solidFill>
+                  <a:schemeClr val="accent5">
+                    <a:lumMod val="75000"/>
+                  </a:schemeClr>
+                </a:solidFill>
+              </a:rPr>
+              <a:t>Các chức năng Sản phẩm: </a:t>
+            </a:r>
+          </a:p>
+          <a:p>
+            <a:pPr marL="800100" lvl="1" indent="-342900">
+              <a:buAutoNum type="arabicPeriod"/>
+            </a:pPr>
+            <a:r>
+              <a:rPr lang="en-US" b="1" dirty="0">
+                <a:solidFill>
+                  <a:schemeClr val="accent5">
+                    <a:lumMod val="75000"/>
+                  </a:schemeClr>
+                </a:solidFill>
+              </a:rPr>
+              <a:t>Xem danh sách, chi tiết sản phẩm</a:t>
+            </a:r>
+          </a:p>
+          <a:p>
+            <a:pPr marL="342900" indent="-342900">
+              <a:buAutoNum type="arabicPeriod"/>
+            </a:pPr>
+            <a:r>
+              <a:rPr lang="en-US" b="1" dirty="0">
+                <a:solidFill>
+                  <a:schemeClr val="accent5">
+                    <a:lumMod val="75000"/>
+                  </a:schemeClr>
+                </a:solidFill>
+              </a:rPr>
+              <a:t>Các chức năng tài khoản</a:t>
+            </a:r>
+          </a:p>
+          <a:p>
+            <a:pPr marL="800100" lvl="1" indent="-342900">
+              <a:buAutoNum type="arabicPeriod"/>
+            </a:pPr>
+            <a:r>
+              <a:rPr lang="en-US" b="1" dirty="0">
+                <a:solidFill>
+                  <a:schemeClr val="accent5">
+                    <a:lumMod val="75000"/>
+                  </a:schemeClr>
+                </a:solidFill>
+              </a:rPr>
+              <a:t>Login, register, bình luận, đánh giá sản phẩm, chức năng cart</a:t>
+            </a:r>
+          </a:p>
+          <a:p>
+            <a:pPr marL="342900" indent="-342900">
+              <a:buAutoNum type="arabicPeriod"/>
+            </a:pPr>
+            <a:r>
+              <a:rPr lang="en-US" b="1" dirty="0">
+                <a:solidFill>
+                  <a:schemeClr val="accent5">
+                    <a:lumMod val="75000"/>
+                  </a:schemeClr>
+                </a:solidFill>
+              </a:rPr>
+              <a:t>Chức năng đặt hàng</a:t>
+            </a:r>
+          </a:p>
+          <a:p>
+            <a:pPr marL="342900" indent="-342900">
+              <a:buAutoNum type="arabicPeriod"/>
+            </a:pPr>
+            <a:endParaRPr lang="en-US" b="1" dirty="0">
+              <a:solidFill>
+                <a:schemeClr val="accent5">
+                  <a:lumMod val="75000"/>
+                </a:schemeClr>
+              </a:solidFill>
+            </a:endParaRPr>
+          </a:p>
+          <a:p>
+            <a:r>
+              <a:rPr lang="en-US" dirty="0">
+                <a:solidFill>
+                  <a:schemeClr val="accent5">
+                    <a:lumMod val="75000"/>
+                  </a:schemeClr>
+                </a:solidFill>
+              </a:rPr>
+              <a:t> </a:t>
+            </a:r>
+            <a:endParaRPr lang="en-US" b="1" dirty="0">
+              <a:solidFill>
+                <a:schemeClr val="accent5">
+                  <a:lumMod val="75000"/>
+                </a:schemeClr>
+              </a:solidFill>
+            </a:endParaRPr>
+          </a:p>
+          <a:p>
+            <a:r>
+              <a:rPr lang="en-US" b="1" dirty="0">
+                <a:solidFill>
+                  <a:srgbClr val="00B050"/>
+                </a:solidFill>
+              </a:rPr>
+              <a:t>Luồng: Sản phẩm -&gt; tài khoản -&gt; cart -&gt; đặt hàng	 </a:t>
+            </a:r>
+            <a:endParaRPr lang="en-US" dirty="0">
+              <a:solidFill>
+                <a:srgbClr val="00B050"/>
+              </a:solidFill>
+            </a:endParaRPr>
+          </a:p>
+        </p:txBody>
+      </p:sp>
+    </p:spTree>
+    <p:extLst>
+      <p:ext uri="{BB962C8B-B14F-4D97-AF65-F5344CB8AC3E}">
+        <p14:creationId xmlns:p14="http://schemas.microsoft.com/office/powerpoint/2010/main" val="4067368574"/>
+      </p:ext>
+    </p:extLst>
+  </p:cSld>
+  <p:clrMapOvr>
+    <a:masterClrMapping/>
+  </p:clrMapOvr>
 </p:sld>
 </file>
 
@@ -13365,7 +13603,7 @@
           <a:lstStyle/>
           <a:p>
             <a:r>
-              <a:rPr lang="en-US" dirty="0" smtClean="0"/>
+              <a:rPr lang="en-US" dirty="0"/>
               <a:t>Table of content</a:t>
             </a:r>
             <a:endParaRPr lang="vi-VN" dirty="0"/>
@@ -13406,31 +13644,112 @@
           <a:lstStyle/>
           <a:p>
             <a:r>
-              <a:rPr lang="en-US" sz="3000" dirty="0" smtClean="0"/>
-              <a:t>1. mục đích đồ án  </a:t>
-            </a:r>
-          </a:p>
-          <a:p>
-            <a:r>
-              <a:rPr lang="en-US" sz="3000" dirty="0" smtClean="0"/>
+              <a:rPr lang="en-US" sz="3000" dirty="0"/>
+              <a:t>1. </a:t>
+            </a:r>
+            <a:r>
+              <a:rPr lang="en-US" sz="3000" dirty="0" err="1"/>
+              <a:t>mô</a:t>
+            </a:r>
+            <a:r>
+              <a:rPr lang="en-US" sz="3000" dirty="0"/>
+              <a:t> </a:t>
+            </a:r>
+            <a:r>
+              <a:rPr lang="en-US" sz="3000" dirty="0" err="1"/>
+              <a:t>tả</a:t>
+            </a:r>
+            <a:r>
+              <a:rPr lang="en-US" sz="3000" dirty="0"/>
+              <a:t> đồ án  </a:t>
+            </a:r>
+          </a:p>
+          <a:p>
+            <a:r>
+              <a:rPr lang="en-US" sz="3000" dirty="0"/>
               <a:t>2. architecture &amp; technology</a:t>
             </a:r>
           </a:p>
           <a:p>
             <a:r>
               <a:rPr lang="en-US" sz="3000" dirty="0"/>
-              <a:t>3</a:t>
-            </a:r>
-            <a:r>
-              <a:rPr lang="en-US" sz="3000" dirty="0" smtClean="0"/>
-              <a:t>. công việc thành viên</a:t>
-            </a:r>
-          </a:p>
-          <a:p>
-            <a:r>
-              <a:rPr lang="en-US" sz="3000" dirty="0" smtClean="0"/>
-              <a:t>4. kết luận</a:t>
-            </a:r>
+              <a:t>3. </a:t>
+            </a:r>
+            <a:r>
+              <a:rPr lang="en-US" sz="3000" dirty="0" err="1"/>
+              <a:t>phân</a:t>
+            </a:r>
+            <a:r>
+              <a:rPr lang="en-US" sz="3000" dirty="0"/>
+              <a:t> </a:t>
+            </a:r>
+            <a:r>
+              <a:rPr lang="en-US" sz="3000" dirty="0" err="1"/>
+              <a:t>công</a:t>
+            </a:r>
+            <a:r>
+              <a:rPr lang="en-US" sz="3000" dirty="0"/>
+              <a:t> </a:t>
+            </a:r>
+            <a:r>
+              <a:rPr lang="en-US" sz="3000" dirty="0" err="1"/>
+              <a:t>công</a:t>
+            </a:r>
+            <a:r>
+              <a:rPr lang="en-US" sz="3000" dirty="0"/>
+              <a:t> việc thành viên</a:t>
+            </a:r>
+          </a:p>
+          <a:p>
+            <a:r>
+              <a:rPr lang="en-US" sz="3000" dirty="0"/>
+              <a:t>4. </a:t>
+            </a:r>
+            <a:r>
+              <a:rPr lang="en-US" sz="3000" dirty="0" err="1"/>
+              <a:t>kết</a:t>
+            </a:r>
+            <a:r>
+              <a:rPr lang="en-US" sz="3000" dirty="0"/>
+              <a:t> </a:t>
+            </a:r>
+            <a:r>
+              <a:rPr lang="en-US" sz="3000" dirty="0" err="1"/>
+              <a:t>luận</a:t>
+            </a:r>
+            <a:r>
+              <a:rPr lang="en-US" sz="3000" dirty="0"/>
+              <a:t>, </a:t>
+            </a:r>
+            <a:r>
+              <a:rPr lang="en-US" sz="3000" dirty="0" err="1"/>
+              <a:t>kết</a:t>
+            </a:r>
+            <a:r>
+              <a:rPr lang="en-US" sz="3000" dirty="0"/>
+              <a:t> </a:t>
+            </a:r>
+            <a:r>
+              <a:rPr lang="en-US" sz="3000" dirty="0" err="1"/>
+              <a:t>quả</a:t>
+            </a:r>
+            <a:r>
+              <a:rPr lang="en-US" sz="3000" dirty="0"/>
+              <a:t> </a:t>
+            </a:r>
+            <a:r>
+              <a:rPr lang="en-US" sz="3000" dirty="0" err="1"/>
+              <a:t>đạt</a:t>
+            </a:r>
+            <a:r>
+              <a:rPr lang="en-US" sz="3000" dirty="0"/>
+              <a:t> </a:t>
+            </a:r>
+            <a:r>
+              <a:rPr lang="en-US" sz="3000" dirty="0" err="1"/>
+              <a:t>được</a:t>
+            </a:r>
+            <a:endParaRPr lang="en-US" sz="3000" dirty="0"/>
           </a:p>
           <a:p>
             <a:endParaRPr lang="vi-VN" dirty="0"/>
@@ -13447,13 +13766,6 @@
   <p:clrMapOvr>
     <a:masterClrMapping/>
   </p:clrMapOvr>
-  <p:timing>
-    <p:tnLst>
-      <p:par>
-        <p:cTn id="1" dur="indefinite" restart="never" nodeType="tmRoot"/>
-      </p:par>
-    </p:tnLst>
-  </p:timing>
 </p:sld>
 </file>
 
@@ -13490,8 +13802,40 @@
           <a:lstStyle/>
           <a:p>
             <a:r>
-              <a:rPr lang="en-US" dirty="0"/>
-              <a:t>1. mục đích đồ án  </a:t>
+              <a:rPr lang="en-US" sz="3600" dirty="0"/>
+              <a:t>1. </a:t>
+            </a:r>
+            <a:r>
+              <a:rPr lang="en-US" sz="3600" dirty="0" err="1"/>
+              <a:t>mô</a:t>
+            </a:r>
+            <a:r>
+              <a:rPr lang="en-US" sz="3600" dirty="0"/>
+              <a:t> </a:t>
+            </a:r>
+            <a:r>
+              <a:rPr lang="en-US" sz="3600" dirty="0" err="1"/>
+              <a:t>tả</a:t>
+            </a:r>
+            <a:r>
+              <a:rPr lang="en-US" sz="3600" dirty="0"/>
+              <a:t> </a:t>
+            </a:r>
+            <a:r>
+              <a:rPr lang="en-US" sz="3600" dirty="0" err="1"/>
+              <a:t>đồ</a:t>
+            </a:r>
+            <a:r>
+              <a:rPr lang="en-US" sz="3600" dirty="0"/>
+              <a:t> </a:t>
+            </a:r>
+            <a:r>
+              <a:rPr lang="en-US" sz="3600" dirty="0" err="1"/>
+              <a:t>án</a:t>
+            </a:r>
+            <a:r>
+              <a:rPr lang="en-US" sz="3600" dirty="0"/>
+              <a:t>  </a:t>
             </a:r>
           </a:p>
         </p:txBody>
@@ -13530,7 +13874,7 @@
           <a:lstStyle/>
           <a:p>
             <a:r>
-              <a:rPr lang="en-US" dirty="0" smtClean="0"/>
+              <a:rPr lang="en-US" dirty="0"/>
               <a:t>Xây dựng trang e-commerce </a:t>
             </a:r>
           </a:p>
@@ -13539,7 +13883,7 @@
               <a:buNone/>
             </a:pPr>
             <a:r>
-              <a:rPr lang="en-US" dirty="0" smtClean="0"/>
+              <a:rPr lang="en-US" dirty="0"/>
               <a:t>Bán đồ thiết bị điện tử (gadgets)</a:t>
             </a:r>
           </a:p>
@@ -13548,15 +13892,15 @@
               <a:buNone/>
             </a:pPr>
             <a:r>
-              <a:rPr lang="en-US" dirty="0" err="1" smtClean="0"/>
+              <a:rPr lang="en-US" dirty="0" err="1"/>
               <a:t>Vd</a:t>
             </a:r>
             <a:r>
-              <a:rPr lang="en-US" dirty="0" smtClean="0"/>
+              <a:rPr lang="en-US" dirty="0"/>
               <a:t>: laptop, điện thoại, tai nghe, </a:t>
             </a:r>
             <a:r>
-              <a:rPr lang="en-US" dirty="0" err="1" smtClean="0"/>
+              <a:rPr lang="en-US" dirty="0" err="1"/>
               <a:t>v.v</a:t>
             </a:r>
             <a:endParaRPr lang="vi-VN" dirty="0"/>
@@ -13573,13 +13917,6 @@
   <p:clrMapOvr>
     <a:masterClrMapping/>
   </p:clrMapOvr>
-  <p:timing>
-    <p:tnLst>
-      <p:par>
-        <p:cTn id="1" dur="indefinite" restart="never" nodeType="tmRoot"/>
-      </p:par>
-    </p:tnLst>
-  </p:timing>
 </p:sld>
 </file>
 
@@ -13638,13 +13975,13 @@
           <a:lstStyle/>
           <a:p>
             <a:r>
-              <a:rPr lang="en-US" dirty="0" smtClean="0"/>
+              <a:rPr lang="en-US" dirty="0"/>
               <a:t>Architecture: layer architecture</a:t>
             </a:r>
           </a:p>
           <a:p>
             <a:r>
-              <a:rPr lang="en-US" dirty="0" smtClean="0">
+              <a:rPr lang="en-US" dirty="0">
                 <a:solidFill>
                   <a:schemeClr val="tx1"/>
                 </a:solidFill>
@@ -13654,38 +13991,22 @@
           </a:p>
           <a:p>
             <a:r>
-              <a:rPr lang="en-US" dirty="0" smtClean="0">
+              <a:rPr lang="en-US" dirty="0">
                 <a:solidFill>
                   <a:schemeClr val="tx1"/>
                 </a:solidFill>
               </a:rPr>
-              <a:t>Bad: agility, deploy, </a:t>
-            </a:r>
-            <a:r>
-              <a:rPr lang="en-US" dirty="0" smtClean="0">
-                <a:solidFill>
-                  <a:schemeClr val="tx1"/>
-                </a:solidFill>
-              </a:rPr>
-              <a:t>performance</a:t>
-            </a:r>
-            <a:r>
-              <a:rPr lang="en-US" dirty="0" smtClean="0">
-                <a:solidFill>
-                  <a:schemeClr val="tx1"/>
-                </a:solidFill>
-              </a:rPr>
-              <a:t>, </a:t>
-            </a:r>
-            <a:r>
-              <a:rPr lang="en-US" dirty="0" err="1" smtClean="0">
+              <a:t>Bad: agility, deploy, performance, </a:t>
+            </a:r>
+            <a:r>
+              <a:rPr lang="en-US" dirty="0" err="1">
                 <a:solidFill>
                   <a:schemeClr val="tx1"/>
                 </a:solidFill>
               </a:rPr>
               <a:t>scalablity</a:t>
             </a:r>
-            <a:endParaRPr lang="en-US" dirty="0" smtClean="0">
+            <a:endParaRPr lang="en-US" dirty="0">
               <a:solidFill>
                 <a:schemeClr val="tx1"/>
               </a:solidFill>
@@ -13693,7 +14014,7 @@
           </a:p>
           <a:p>
             <a:r>
-              <a:rPr lang="en-US" dirty="0" smtClean="0">
+              <a:rPr lang="en-US" dirty="0">
                 <a:solidFill>
                   <a:schemeClr val="tx1"/>
                 </a:solidFill>
@@ -13759,13 +14080,6 @@
   <p:clrMapOvr>
     <a:masterClrMapping/>
   </p:clrMapOvr>
-  <p:timing>
-    <p:tnLst>
-      <p:par>
-        <p:cTn id="1" dur="indefinite" restart="never" nodeType="tmRoot"/>
-      </p:par>
-    </p:tnLst>
-  </p:timing>
 </p:sld>
 </file>
 
@@ -13847,18 +14161,14 @@
           <a:p>
             <a:r>
               <a:rPr lang="en-US" dirty="0"/>
-              <a:t>T</a:t>
-            </a:r>
-            <a:r>
-              <a:rPr lang="en-US" dirty="0" smtClean="0"/>
-              <a:t>echnology: spring &amp; react ( </a:t>
-            </a:r>
-            <a:r>
-              <a:rPr lang="en-US" dirty="0" err="1" smtClean="0"/>
+              <a:t>Technology: spring &amp; react ( </a:t>
+            </a:r>
+            <a:r>
+              <a:rPr lang="en-US" dirty="0" err="1"/>
               <a:t>nextjs</a:t>
             </a:r>
             <a:r>
-              <a:rPr lang="en-US" dirty="0" smtClean="0"/>
+              <a:rPr lang="en-US" dirty="0"/>
               <a:t> framework)</a:t>
             </a:r>
           </a:p>
@@ -13957,13 +14267,6 @@
   <p:clrMapOvr>
     <a:masterClrMapping/>
   </p:clrMapOvr>
-  <p:timing>
-    <p:tnLst>
-      <p:par>
-        <p:cTn id="1" dur="indefinite" restart="never" nodeType="tmRoot"/>
-      </p:par>
-    </p:tnLst>
-  </p:timing>
 </p:sld>
 </file>
 
@@ -14001,7 +14304,7 @@
           <a:p>
             <a:r>
               <a:rPr lang="en-US" dirty="0"/>
-              <a:t>3. công việc thành viên</a:t>
+              <a:t>2. architecture &amp; technology</a:t>
             </a:r>
           </a:p>
         </p:txBody>
@@ -14044,7 +14347,511 @@
           <a:lstStyle/>
           <a:p>
             <a:r>
-              <a:rPr lang="en-US" dirty="0" smtClean="0"/>
+              <a:rPr lang="en-US" dirty="0"/>
+              <a:t>Technology: front-end</a:t>
+            </a:r>
+          </a:p>
+          <a:p>
+            <a:r>
+              <a:rPr lang="en-US" dirty="0" err="1"/>
+              <a:t>Reactjs</a:t>
+            </a:r>
+            <a:endParaRPr lang="en-US" dirty="0"/>
+          </a:p>
+          <a:p>
+            <a:r>
+              <a:rPr lang="en-US" dirty="0"/>
+              <a:t>framework: </a:t>
+            </a:r>
+            <a:r>
+              <a:rPr lang="en-US" dirty="0" err="1"/>
+              <a:t>nextjs</a:t>
+            </a:r>
+            <a:endParaRPr lang="vi-VN" dirty="0"/>
+          </a:p>
+        </p:txBody>
+      </p:sp>
+      <p:pic>
+        <p:nvPicPr>
+          <p:cNvPr id="1026" name="Picture 2" descr="React.js for Beginners — Props and State Explained">
+            <a:extLst>
+              <a:ext uri="{FF2B5EF4-FFF2-40B4-BE49-F238E27FC236}">
+                <a16:creationId xmlns:a16="http://schemas.microsoft.com/office/drawing/2014/main" id="{9CA06FD9-4C76-89D9-2732-972C80C5E289}"/>
+              </a:ext>
+            </a:extLst>
+          </p:cNvPr>
+          <p:cNvPicPr>
+            <a:picLocks noChangeAspect="1" noChangeArrowheads="1"/>
+          </p:cNvPicPr>
+          <p:nvPr/>
+        </p:nvPicPr>
+        <p:blipFill rotWithShape="1">
+          <a:blip r:embed="rId2" cstate="print">
+            <a:extLst>
+              <a:ext uri="{28A0092B-C50C-407E-A947-70E740481C1C}">
+                <a14:useLocalDpi xmlns:a14="http://schemas.microsoft.com/office/drawing/2010/main" val="0"/>
+              </a:ext>
+            </a:extLst>
+          </a:blip>
+          <a:srcRect l="24362" t="3616" r="21368"/>
+          <a:stretch/>
+        </p:blipFill>
+        <p:spPr bwMode="auto">
+          <a:xfrm>
+            <a:off x="6563076" y="3286241"/>
+            <a:ext cx="2434975" cy="2465155"/>
+          </a:xfrm>
+          <a:prstGeom prst="rect">
+            <a:avLst/>
+          </a:prstGeom>
+          <a:noFill/>
+          <a:extLst>
+            <a:ext uri="{909E8E84-426E-40DD-AFC4-6F175D3DCCD1}">
+              <a14:hiddenFill xmlns:a14="http://schemas.microsoft.com/office/drawing/2010/main">
+                <a:solidFill>
+                  <a:srgbClr val="FFFFFF"/>
+                </a:solidFill>
+              </a14:hiddenFill>
+            </a:ext>
+          </a:extLst>
+        </p:spPr>
+      </p:pic>
+      <p:pic>
+        <p:nvPicPr>
+          <p:cNvPr id="3" name="Picture 12" descr="Migrating a Create-React-App to NextJS | by Moleseng Mokgosi | Better  Programming">
+            <a:extLst>
+              <a:ext uri="{FF2B5EF4-FFF2-40B4-BE49-F238E27FC236}">
+                <a16:creationId xmlns:a16="http://schemas.microsoft.com/office/drawing/2014/main" id="{E3F59C72-BDA3-9A8D-69EA-0C487F7AB353}"/>
+              </a:ext>
+            </a:extLst>
+          </p:cNvPr>
+          <p:cNvPicPr>
+            <a:picLocks noChangeAspect="1" noChangeArrowheads="1"/>
+          </p:cNvPicPr>
+          <p:nvPr/>
+        </p:nvPicPr>
+        <p:blipFill>
+          <a:blip r:embed="rId3" cstate="print">
+            <a:extLst>
+              <a:ext uri="{28A0092B-C50C-407E-A947-70E740481C1C}">
+                <a14:useLocalDpi xmlns:a14="http://schemas.microsoft.com/office/drawing/2010/main" val="0"/>
+              </a:ext>
+            </a:extLst>
+          </a:blip>
+          <a:srcRect/>
+          <a:stretch>
+            <a:fillRect/>
+          </a:stretch>
+        </p:blipFill>
+        <p:spPr bwMode="auto">
+          <a:xfrm>
+            <a:off x="8998051" y="3429000"/>
+            <a:ext cx="2179638" cy="2179638"/>
+          </a:xfrm>
+          <a:prstGeom prst="rect">
+            <a:avLst/>
+          </a:prstGeom>
+          <a:noFill/>
+          <a:extLst>
+            <a:ext uri="{909E8E84-426E-40DD-AFC4-6F175D3DCCD1}">
+              <a14:hiddenFill xmlns:a14="http://schemas.microsoft.com/office/drawing/2010/main">
+                <a:solidFill>
+                  <a:srgbClr val="FFFFFF"/>
+                </a:solidFill>
+              </a14:hiddenFill>
+            </a:ext>
+          </a:extLst>
+        </p:spPr>
+      </p:pic>
+    </p:spTree>
+    <p:extLst>
+      <p:ext uri="{BB962C8B-B14F-4D97-AF65-F5344CB8AC3E}">
+        <p14:creationId xmlns:p14="http://schemas.microsoft.com/office/powerpoint/2010/main" val="1867293548"/>
+      </p:ext>
+    </p:extLst>
+  </p:cSld>
+  <p:clrMapOvr>
+    <a:masterClrMapping/>
+  </p:clrMapOvr>
+</p:sld>
+</file>
+
+<file path=ppt/slides/slide7.xml><?xml version="1.0" encoding="utf-8"?>
+<p:sld xmlns:a="http://schemas.openxmlformats.org/drawingml/2006/main" xmlns:r="http://schemas.openxmlformats.org/officeDocument/2006/relationships" xmlns:p="http://schemas.openxmlformats.org/presentationml/2006/main">
+  <p:cSld>
+    <p:spTree>
+      <p:nvGrpSpPr>
+        <p:cNvPr id="1" name=""/>
+        <p:cNvGrpSpPr/>
+        <p:nvPr/>
+      </p:nvGrpSpPr>
+      <p:grpSpPr>
+        <a:xfrm>
+          <a:off x="0" y="0"/>
+          <a:ext cx="0" cy="0"/>
+          <a:chOff x="0" y="0"/>
+          <a:chExt cx="0" cy="0"/>
+        </a:xfrm>
+      </p:grpSpPr>
+      <p:sp>
+        <p:nvSpPr>
+          <p:cNvPr id="2" name="Title 1"/>
+          <p:cNvSpPr>
+            <a:spLocks noGrp="1"/>
+          </p:cNvSpPr>
+          <p:nvPr>
+            <p:ph type="title"/>
+          </p:nvPr>
+        </p:nvSpPr>
+        <p:spPr/>
+        <p:txBody>
+          <a:bodyPr/>
+          <a:lstStyle/>
+          <a:p>
+            <a:r>
+              <a:rPr lang="en-US" dirty="0"/>
+              <a:t>2. architecture &amp; technology</a:t>
+            </a:r>
+          </a:p>
+        </p:txBody>
+      </p:sp>
+      <p:sp>
+        <p:nvSpPr>
+          <p:cNvPr id="5" name="AutoShape 4" descr="Spring Boot"/>
+          <p:cNvSpPr>
+            <a:spLocks noGrp="1" noChangeAspect="1" noChangeArrowheads="1"/>
+          </p:cNvSpPr>
+          <p:nvPr>
+            <p:ph idx="1"/>
+          </p:nvPr>
+        </p:nvSpPr>
+        <p:spPr bwMode="auto">
+          <a:xfrm>
+            <a:off x="680392" y="2337283"/>
+            <a:ext cx="8825659" cy="3416300"/>
+          </a:xfrm>
+          <a:prstGeom prst="rect">
+            <a:avLst/>
+          </a:prstGeom>
+          <a:noFill/>
+          <a:extLst>
+            <a:ext uri="{909E8E84-426E-40DD-AFC4-6F175D3DCCD1}">
+              <a14:hiddenFill xmlns:a14="http://schemas.microsoft.com/office/drawing/2010/main">
+                <a:solidFill>
+                  <a:srgbClr val="FFFFFF"/>
+                </a:solidFill>
+              </a14:hiddenFill>
+            </a:ext>
+          </a:extLst>
+        </p:spPr>
+        <p:txBody>
+          <a:bodyPr vert="horz" wrap="square" lIns="91440" tIns="45720" rIns="91440" bIns="45720" numCol="1" anchor="t" anchorCtr="0" compatLnSpc="1">
+            <a:prstTxWarp prst="textNoShape">
+              <a:avLst/>
+            </a:prstTxWarp>
+          </a:bodyPr>
+          <a:lstStyle/>
+          <a:p>
+            <a:r>
+              <a:rPr lang="en-US" dirty="0"/>
+              <a:t>Technology: back-end</a:t>
+            </a:r>
+          </a:p>
+          <a:p>
+            <a:r>
+              <a:rPr lang="en-US" dirty="0"/>
+              <a:t>Spring</a:t>
+            </a:r>
+          </a:p>
+          <a:p>
+            <a:r>
+              <a:rPr lang="en-US" dirty="0"/>
+              <a:t>Security: login </a:t>
+            </a:r>
+            <a:r>
+              <a:rPr lang="en-US" dirty="0" err="1"/>
+              <a:t>jwt</a:t>
+            </a:r>
+            <a:r>
+              <a:rPr lang="en-US" dirty="0"/>
+              <a:t>, </a:t>
+            </a:r>
+            <a:r>
+              <a:rPr lang="en-US" dirty="0" err="1"/>
+              <a:t>jpa</a:t>
+            </a:r>
+            <a:r>
+              <a:rPr lang="en-US" dirty="0"/>
+              <a:t>, pagination, </a:t>
+            </a:r>
+            <a:r>
+              <a:rPr lang="en-US" dirty="0" err="1"/>
+              <a:t>sendMail</a:t>
+            </a:r>
+            <a:endParaRPr lang="vi-VN" dirty="0"/>
+          </a:p>
+        </p:txBody>
+      </p:sp>
+      <p:pic>
+        <p:nvPicPr>
+          <p:cNvPr id="2050" name="Picture 2" descr="Image result for spring security">
+            <a:extLst>
+              <a:ext uri="{FF2B5EF4-FFF2-40B4-BE49-F238E27FC236}">
+                <a16:creationId xmlns:a16="http://schemas.microsoft.com/office/drawing/2014/main" id="{EE3E60DE-FA02-60B0-D7E7-632F64EE35B5}"/>
+              </a:ext>
+            </a:extLst>
+          </p:cNvPr>
+          <p:cNvPicPr>
+            <a:picLocks noChangeAspect="1" noChangeArrowheads="1"/>
+          </p:cNvPicPr>
+          <p:nvPr/>
+        </p:nvPicPr>
+        <p:blipFill>
+          <a:blip r:embed="rId2">
+            <a:extLst>
+              <a:ext uri="{28A0092B-C50C-407E-A947-70E740481C1C}">
+                <a14:useLocalDpi xmlns:a14="http://schemas.microsoft.com/office/drawing/2010/main" val="0"/>
+              </a:ext>
+            </a:extLst>
+          </a:blip>
+          <a:srcRect/>
+          <a:stretch>
+            <a:fillRect/>
+          </a:stretch>
+        </p:blipFill>
+        <p:spPr bwMode="auto">
+          <a:xfrm>
+            <a:off x="6971284" y="2060932"/>
+            <a:ext cx="3838575" cy="2571750"/>
+          </a:xfrm>
+          <a:prstGeom prst="rect">
+            <a:avLst/>
+          </a:prstGeom>
+          <a:noFill/>
+          <a:extLst>
+            <a:ext uri="{909E8E84-426E-40DD-AFC4-6F175D3DCCD1}">
+              <a14:hiddenFill xmlns:a14="http://schemas.microsoft.com/office/drawing/2010/main">
+                <a:solidFill>
+                  <a:srgbClr val="FFFFFF"/>
+                </a:solidFill>
+              </a14:hiddenFill>
+            </a:ext>
+          </a:extLst>
+        </p:spPr>
+      </p:pic>
+      <p:pic>
+        <p:nvPicPr>
+          <p:cNvPr id="2052" name="Picture 4" descr="Image result for javax mail logo">
+            <a:extLst>
+              <a:ext uri="{FF2B5EF4-FFF2-40B4-BE49-F238E27FC236}">
+                <a16:creationId xmlns:a16="http://schemas.microsoft.com/office/drawing/2014/main" id="{EBBEC935-F491-CFAC-C92F-4959317A7FCC}"/>
+              </a:ext>
+            </a:extLst>
+          </p:cNvPr>
+          <p:cNvPicPr>
+            <a:picLocks noChangeAspect="1" noChangeArrowheads="1"/>
+          </p:cNvPicPr>
+          <p:nvPr/>
+        </p:nvPicPr>
+        <p:blipFill>
+          <a:blip r:embed="rId3">
+            <a:extLst>
+              <a:ext uri="{28A0092B-C50C-407E-A947-70E740481C1C}">
+                <a14:useLocalDpi xmlns:a14="http://schemas.microsoft.com/office/drawing/2010/main" val="0"/>
+              </a:ext>
+            </a:extLst>
+          </a:blip>
+          <a:srcRect/>
+          <a:stretch>
+            <a:fillRect/>
+          </a:stretch>
+        </p:blipFill>
+        <p:spPr bwMode="auto">
+          <a:xfrm>
+            <a:off x="6271951" y="4327806"/>
+            <a:ext cx="2469758" cy="1370351"/>
+          </a:xfrm>
+          <a:prstGeom prst="rect">
+            <a:avLst/>
+          </a:prstGeom>
+          <a:noFill/>
+          <a:extLst>
+            <a:ext uri="{909E8E84-426E-40DD-AFC4-6F175D3DCCD1}">
+              <a14:hiddenFill xmlns:a14="http://schemas.microsoft.com/office/drawing/2010/main">
+                <a:solidFill>
+                  <a:srgbClr val="FFFFFF"/>
+                </a:solidFill>
+              </a14:hiddenFill>
+            </a:ext>
+          </a:extLst>
+        </p:spPr>
+      </p:pic>
+      <p:pic>
+        <p:nvPicPr>
+          <p:cNvPr id="2054" name="Picture 6" descr="Image result for jwt">
+            <a:extLst>
+              <a:ext uri="{FF2B5EF4-FFF2-40B4-BE49-F238E27FC236}">
+                <a16:creationId xmlns:a16="http://schemas.microsoft.com/office/drawing/2014/main" id="{319FEC5F-338F-9157-5332-2091B6033301}"/>
+              </a:ext>
+            </a:extLst>
+          </p:cNvPr>
+          <p:cNvPicPr>
+            <a:picLocks noChangeAspect="1" noChangeArrowheads="1"/>
+          </p:cNvPicPr>
+          <p:nvPr/>
+        </p:nvPicPr>
+        <p:blipFill>
+          <a:blip r:embed="rId4">
+            <a:extLst>
+              <a:ext uri="{28A0092B-C50C-407E-A947-70E740481C1C}">
+                <a14:useLocalDpi xmlns:a14="http://schemas.microsoft.com/office/drawing/2010/main" val="0"/>
+              </a:ext>
+            </a:extLst>
+          </a:blip>
+          <a:srcRect/>
+          <a:stretch>
+            <a:fillRect/>
+          </a:stretch>
+        </p:blipFill>
+        <p:spPr bwMode="auto">
+          <a:xfrm>
+            <a:off x="8564979" y="4010668"/>
+            <a:ext cx="3185953" cy="2019266"/>
+          </a:xfrm>
+          <a:prstGeom prst="rect">
+            <a:avLst/>
+          </a:prstGeom>
+          <a:noFill/>
+          <a:extLst>
+            <a:ext uri="{909E8E84-426E-40DD-AFC4-6F175D3DCCD1}">
+              <a14:hiddenFill xmlns:a14="http://schemas.microsoft.com/office/drawing/2010/main">
+                <a:solidFill>
+                  <a:srgbClr val="FFFFFF"/>
+                </a:solidFill>
+              </a14:hiddenFill>
+            </a:ext>
+          </a:extLst>
+        </p:spPr>
+      </p:pic>
+    </p:spTree>
+    <p:extLst>
+      <p:ext uri="{BB962C8B-B14F-4D97-AF65-F5344CB8AC3E}">
+        <p14:creationId xmlns:p14="http://schemas.microsoft.com/office/powerpoint/2010/main" val="1081245060"/>
+      </p:ext>
+    </p:extLst>
+  </p:cSld>
+  <p:clrMapOvr>
+    <a:masterClrMapping/>
+  </p:clrMapOvr>
+</p:sld>
+</file>
+
+<file path=ppt/slides/slide8.xml><?xml version="1.0" encoding="utf-8"?>
+<p:sld xmlns:a="http://schemas.openxmlformats.org/drawingml/2006/main" xmlns:r="http://schemas.openxmlformats.org/officeDocument/2006/relationships" xmlns:p="http://schemas.openxmlformats.org/presentationml/2006/main">
+  <p:cSld>
+    <p:spTree>
+      <p:nvGrpSpPr>
+        <p:cNvPr id="1" name=""/>
+        <p:cNvGrpSpPr/>
+        <p:nvPr/>
+      </p:nvGrpSpPr>
+      <p:grpSpPr>
+        <a:xfrm>
+          <a:off x="0" y="0"/>
+          <a:ext cx="0" cy="0"/>
+          <a:chOff x="0" y="0"/>
+          <a:chExt cx="0" cy="0"/>
+        </a:xfrm>
+      </p:grpSpPr>
+      <p:sp>
+        <p:nvSpPr>
+          <p:cNvPr id="2" name="Title 1"/>
+          <p:cNvSpPr>
+            <a:spLocks noGrp="1"/>
+          </p:cNvSpPr>
+          <p:nvPr>
+            <p:ph type="title"/>
+          </p:nvPr>
+        </p:nvSpPr>
+        <p:spPr/>
+        <p:txBody>
+          <a:bodyPr/>
+          <a:lstStyle/>
+          <a:p>
+            <a:r>
+              <a:rPr lang="en-US" dirty="0"/>
+              <a:t>3.</a:t>
+            </a:r>
+            <a:r>
+              <a:rPr lang="en-US" sz="3600" dirty="0"/>
+              <a:t> </a:t>
+            </a:r>
+            <a:r>
+              <a:rPr lang="en-US" sz="3600" dirty="0" err="1"/>
+              <a:t>phân</a:t>
+            </a:r>
+            <a:r>
+              <a:rPr lang="en-US" sz="3600" dirty="0"/>
+              <a:t> </a:t>
+            </a:r>
+            <a:r>
+              <a:rPr lang="en-US" sz="3600" dirty="0" err="1"/>
+              <a:t>công</a:t>
+            </a:r>
+            <a:r>
+              <a:rPr lang="en-US" sz="3600" dirty="0"/>
+              <a:t> </a:t>
+            </a:r>
+            <a:r>
+              <a:rPr lang="en-US" dirty="0" err="1"/>
+              <a:t>công</a:t>
+            </a:r>
+            <a:r>
+              <a:rPr lang="en-US" dirty="0"/>
+              <a:t> việc thành viên</a:t>
+            </a:r>
+          </a:p>
+        </p:txBody>
+      </p:sp>
+      <p:sp>
+        <p:nvSpPr>
+          <p:cNvPr id="5" name="AutoShape 4" descr="Spring Boot"/>
+          <p:cNvSpPr>
+            <a:spLocks noGrp="1" noChangeAspect="1" noChangeArrowheads="1"/>
+          </p:cNvSpPr>
+          <p:nvPr>
+            <p:ph idx="1"/>
+          </p:nvPr>
+        </p:nvSpPr>
+        <p:spPr bwMode="auto">
+          <a:xfrm>
+            <a:off x="680392" y="2337283"/>
+            <a:ext cx="8825659" cy="3416300"/>
+          </a:xfrm>
+          <a:prstGeom prst="rect">
+            <a:avLst/>
+          </a:prstGeom>
+          <a:noFill/>
+          <a:extLst>
+            <a:ext uri="{909E8E84-426E-40DD-AFC4-6F175D3DCCD1}">
+              <a14:hiddenFill xmlns:a14="http://schemas.microsoft.com/office/drawing/2010/main">
+                <a:solidFill>
+                  <a:srgbClr val="FFFFFF"/>
+                </a:solidFill>
+              </a14:hiddenFill>
+            </a:ext>
+          </a:extLst>
+        </p:spPr>
+        <p:txBody>
+          <a:bodyPr vert="horz" wrap="square" lIns="91440" tIns="45720" rIns="91440" bIns="45720" numCol="1" anchor="t" anchorCtr="0" compatLnSpc="1">
+            <a:prstTxWarp prst="textNoShape">
+              <a:avLst/>
+            </a:prstTxWarp>
+          </a:bodyPr>
+          <a:lstStyle/>
+          <a:p>
+            <a:r>
+              <a:rPr lang="en-US" dirty="0"/>
               <a:t>Số lượng: 2 thành viên</a:t>
             </a:r>
           </a:p>
@@ -14156,31 +14963,23 @@
           <a:lstStyle/>
           <a:p>
             <a:r>
-              <a:rPr lang="en-US" b="1" dirty="0" smtClean="0"/>
-              <a:t>Phạm Sĩ </a:t>
-            </a:r>
-            <a:r>
               <a:rPr lang="en-US" b="1" dirty="0"/>
-              <a:t>T</a:t>
-            </a:r>
-            <a:r>
-              <a:rPr lang="en-US" b="1" dirty="0" smtClean="0"/>
-              <a:t>huận</a:t>
-            </a:r>
-          </a:p>
-          <a:p>
-            <a:r>
-              <a:rPr lang="en-US" dirty="0" smtClean="0"/>
+              <a:t>Phạm Sĩ Thuận</a:t>
+            </a:r>
+          </a:p>
+          <a:p>
+            <a:r>
+              <a:rPr lang="en-US" dirty="0"/>
               <a:t>19130222</a:t>
             </a:r>
           </a:p>
           <a:p>
             <a:r>
-              <a:rPr lang="en-GB" dirty="0" smtClean="0"/>
+              <a:rPr lang="en-GB" dirty="0"/>
               <a:t>Role</a:t>
             </a:r>
             <a:r>
-              <a:rPr lang="en-GB" dirty="0" smtClean="0">
+              <a:rPr lang="en-GB" dirty="0">
                 <a:solidFill>
                   <a:srgbClr val="00B050"/>
                 </a:solidFill>
@@ -14188,14 +14987,14 @@
               <a:t>: </a:t>
             </a:r>
             <a:r>
-              <a:rPr lang="en-GB" b="1" dirty="0" smtClean="0">
+              <a:rPr lang="en-GB" b="1" dirty="0">
                 <a:solidFill>
                   <a:srgbClr val="00B050"/>
                 </a:solidFill>
               </a:rPr>
               <a:t>back-end</a:t>
             </a:r>
-            <a:endParaRPr lang="vi-VN" b="1" dirty="0" smtClean="0">
+            <a:endParaRPr lang="vi-VN" b="1" dirty="0">
               <a:solidFill>
                 <a:srgbClr val="00B050"/>
               </a:solidFill>
@@ -14226,23 +15025,23 @@
           <a:lstStyle/>
           <a:p>
             <a:r>
-              <a:rPr lang="en-US" b="1" dirty="0" smtClean="0"/>
+              <a:rPr lang="en-US" b="1" dirty="0"/>
               <a:t>Võ Minh Thắng </a:t>
             </a:r>
           </a:p>
           <a:p>
             <a:r>
-              <a:rPr lang="en-GB" dirty="0" smtClean="0"/>
+              <a:rPr lang="en-GB" dirty="0"/>
               <a:t>19130203</a:t>
             </a:r>
           </a:p>
           <a:p>
             <a:r>
-              <a:rPr lang="en-GB" dirty="0" smtClean="0"/>
+              <a:rPr lang="en-GB" dirty="0"/>
               <a:t>Role: </a:t>
             </a:r>
             <a:r>
-              <a:rPr lang="en-GB" b="1" dirty="0" smtClean="0">
+              <a:rPr lang="en-GB" b="1" dirty="0">
                 <a:solidFill>
                   <a:schemeClr val="accent5">
                     <a:lumMod val="75000"/>
@@ -14351,17 +15150,10 @@
   <p:clrMapOvr>
     <a:masterClrMapping/>
   </p:clrMapOvr>
-  <p:timing>
-    <p:tnLst>
-      <p:par>
-        <p:cTn id="1" dur="indefinite" restart="never" nodeType="tmRoot"/>
-      </p:par>
-    </p:tnLst>
-  </p:timing>
 </p:sld>
 </file>
 
-<file path=ppt/slides/slide7.xml><?xml version="1.0" encoding="utf-8"?>
+<file path=ppt/slides/slide9.xml><?xml version="1.0" encoding="utf-8"?>
 <p:sld xmlns:a="http://schemas.openxmlformats.org/drawingml/2006/main" xmlns:r="http://schemas.openxmlformats.org/officeDocument/2006/relationships" xmlns:p="http://schemas.openxmlformats.org/presentationml/2006/main">
   <p:cSld>
     <p:spTree>
@@ -14394,17 +15186,54 @@
           <a:lstStyle/>
           <a:p>
             <a:r>
-              <a:rPr lang="en-US" dirty="0"/>
+              <a:rPr lang="en-US" sz="3600" dirty="0"/>
               <a:t>4. </a:t>
             </a:r>
             <a:r>
-              <a:rPr lang="en-US" dirty="0" smtClean="0"/>
-              <a:t>kết </a:t>
-            </a:r>
-            <a:r>
-              <a:rPr lang="en-US" dirty="0"/>
+              <a:rPr lang="en-US" sz="3600" dirty="0" err="1"/>
+              <a:t>kết</a:t>
+            </a:r>
+            <a:r>
+              <a:rPr lang="en-US" sz="3600" dirty="0"/>
+              <a:t> </a:t>
+            </a:r>
+            <a:r>
+              <a:rPr lang="en-US" sz="3600" dirty="0" err="1"/>
               <a:t>luận</a:t>
             </a:r>
+            <a:r>
+              <a:rPr lang="en-US" sz="3600" dirty="0"/>
+              <a:t>, </a:t>
+            </a:r>
+            <a:r>
+              <a:rPr lang="en-US" sz="3600" dirty="0" err="1"/>
+              <a:t>kết</a:t>
+            </a:r>
+            <a:r>
+              <a:rPr lang="en-US" sz="3600" dirty="0"/>
+              <a:t> </a:t>
+            </a:r>
+            <a:r>
+              <a:rPr lang="en-US" sz="3600" dirty="0" err="1"/>
+              <a:t>quả</a:t>
+            </a:r>
+            <a:r>
+              <a:rPr lang="en-US" sz="3600" dirty="0"/>
+              <a:t> </a:t>
+            </a:r>
+            <a:r>
+              <a:rPr lang="en-US" sz="3600" dirty="0" err="1"/>
+              <a:t>đạt</a:t>
+            </a:r>
+            <a:r>
+              <a:rPr lang="en-US" sz="3600" dirty="0"/>
+              <a:t> </a:t>
+            </a:r>
+            <a:r>
+              <a:rPr lang="en-US" sz="3600" dirty="0" err="1"/>
+              <a:t>được</a:t>
+            </a:r>
+            <a:endParaRPr lang="en-US" sz="3600" dirty="0"/>
           </a:p>
         </p:txBody>
       </p:sp>
@@ -14417,7 +15246,7 @@
         <p:spPr>
           <a:xfrm>
             <a:off x="589447" y="2337283"/>
-            <a:ext cx="9525365" cy="1754326"/>
+            <a:ext cx="10105652" cy="3139321"/>
           </a:xfrm>
           <a:prstGeom prst="rect">
             <a:avLst/>
@@ -14431,7 +15260,39 @@
           <a:lstStyle/>
           <a:p>
             <a:r>
-              <a:rPr lang="en-US" b="1" dirty="0" smtClean="0">
+              <a:rPr lang="en-US" dirty="0" err="1">
+                <a:solidFill>
+                  <a:srgbClr val="FF0000"/>
+                </a:solidFill>
+              </a:rPr>
+              <a:t>Kết</a:t>
+            </a:r>
+            <a:r>
+              <a:rPr lang="en-US" dirty="0">
+                <a:solidFill>
+                  <a:srgbClr val="FF0000"/>
+                </a:solidFill>
+              </a:rPr>
+              <a:t> </a:t>
+            </a:r>
+            <a:r>
+              <a:rPr lang="en-US" dirty="0" err="1">
+                <a:solidFill>
+                  <a:srgbClr val="FF0000"/>
+                </a:solidFill>
+              </a:rPr>
+              <a:t>luận</a:t>
+            </a:r>
+            <a:endParaRPr lang="en-US" dirty="0">
+              <a:solidFill>
+                <a:srgbClr val="FF0000"/>
+              </a:solidFill>
+            </a:endParaRPr>
+          </a:p>
+          <a:p>
+            <a:pPr lvl="1"/>
+            <a:r>
+              <a:rPr lang="en-US" b="1" dirty="0">
                 <a:solidFill>
                   <a:schemeClr val="accent5">
                     <a:lumMod val="75000"/>
@@ -14442,6 +15303,7 @@
             </a:r>
           </a:p>
           <a:p>
+            <a:pPr lvl="1"/>
             <a:r>
               <a:rPr lang="en-US" dirty="0">
                 <a:solidFill>
@@ -14450,20 +15312,91 @@
                   </a:schemeClr>
                 </a:solidFill>
               </a:rPr>
-              <a:t>	</a:t>
-            </a:r>
-            <a:r>
-              <a:rPr lang="en-US" dirty="0" smtClean="0">
+              <a:t>	1. học và áp dụng công </a:t>
+            </a:r>
+            <a:r>
+              <a:rPr lang="en-US" dirty="0" err="1">
                 <a:solidFill>
                   <a:schemeClr val="accent5">
                     <a:lumMod val="75000"/>
                   </a:schemeClr>
                 </a:solidFill>
               </a:rPr>
-              <a:t>1. học và áp dụng công nghệ react vào xây dựng trang web</a:t>
-            </a:r>
-          </a:p>
-          <a:p>
+              <a:t>nghệ</a:t>
+            </a:r>
+            <a:r>
+              <a:rPr lang="en-US" dirty="0">
+                <a:solidFill>
+                  <a:schemeClr val="accent5">
+                    <a:lumMod val="75000"/>
+                  </a:schemeClr>
+                </a:solidFill>
+              </a:rPr>
+              <a:t> </a:t>
+            </a:r>
+            <a:r>
+              <a:rPr lang="en-US" dirty="0" err="1">
+                <a:solidFill>
+                  <a:schemeClr val="accent5">
+                    <a:lumMod val="75000"/>
+                  </a:schemeClr>
+                </a:solidFill>
+              </a:rPr>
+              <a:t>react,framework</a:t>
+            </a:r>
+            <a:r>
+              <a:rPr lang="en-US" dirty="0">
+                <a:solidFill>
+                  <a:schemeClr val="accent5">
+                    <a:lumMod val="75000"/>
+                  </a:schemeClr>
+                </a:solidFill>
+              </a:rPr>
+              <a:t> </a:t>
+            </a:r>
+            <a:r>
+              <a:rPr lang="en-US" dirty="0" err="1">
+                <a:solidFill>
+                  <a:schemeClr val="accent5">
+                    <a:lumMod val="75000"/>
+                  </a:schemeClr>
+                </a:solidFill>
+              </a:rPr>
+              <a:t>nextjs</a:t>
+            </a:r>
+            <a:r>
+              <a:rPr lang="en-US" dirty="0">
+                <a:solidFill>
+                  <a:schemeClr val="accent5">
+                    <a:lumMod val="75000"/>
+                  </a:schemeClr>
+                </a:solidFill>
+              </a:rPr>
+              <a:t> vào xây dựng </a:t>
+            </a:r>
+            <a:r>
+              <a:rPr lang="en-US" dirty="0" err="1">
+                <a:solidFill>
+                  <a:schemeClr val="accent5">
+                    <a:lumMod val="75000"/>
+                  </a:schemeClr>
+                </a:solidFill>
+              </a:rPr>
+              <a:t>trang</a:t>
+            </a:r>
+            <a:r>
+              <a:rPr lang="en-US" dirty="0">
+                <a:solidFill>
+                  <a:schemeClr val="accent5">
+                    <a:lumMod val="75000"/>
+                  </a:schemeClr>
+                </a:solidFill>
+              </a:rPr>
+              <a:t> web</a:t>
+            </a:r>
+          </a:p>
+          <a:p>
+            <a:pPr lvl="1"/>
             <a:endParaRPr lang="en-US" b="1" dirty="0">
               <a:solidFill>
                 <a:schemeClr val="accent5">
@@ -14473,31 +15406,44 @@
             </a:endParaRPr>
           </a:p>
           <a:p>
-            <a:r>
-              <a:rPr lang="en-US" b="1" dirty="0" smtClean="0">
+            <a:pPr lvl="1"/>
+            <a:r>
+              <a:rPr lang="en-US" b="1" dirty="0">
                 <a:solidFill>
                   <a:srgbClr val="00B050"/>
                 </a:solidFill>
               </a:rPr>
               <a:t>Back-end: </a:t>
             </a:r>
-            <a:endParaRPr lang="en-US" b="1" dirty="0">
-              <a:solidFill>
-                <a:srgbClr val="00B050"/>
-              </a:solidFill>
-            </a:endParaRPr>
-          </a:p>
-          <a:p>
-            <a:r>
-              <a:rPr lang="en-US" dirty="0" smtClean="0">
+          </a:p>
+          <a:p>
+            <a:pPr lvl="1"/>
+            <a:r>
+              <a:rPr lang="en-US" dirty="0">
                 <a:solidFill>
                   <a:srgbClr val="00B050"/>
                 </a:solidFill>
               </a:rPr>
-              <a:t>	1. áp dụng kiến thức ( </a:t>
-            </a:r>
-            <a:r>
-              <a:rPr lang="en-US" dirty="0" err="1" smtClean="0">
+              <a:t>	1. áp dụng kiến </a:t>
+            </a:r>
+            <a:r>
+              <a:rPr lang="en-US" dirty="0" err="1">
+                <a:solidFill>
+                  <a:srgbClr val="00B050"/>
+                </a:solidFill>
+              </a:rPr>
+              <a:t>thức</a:t>
+            </a:r>
+            <a:r>
+              <a:rPr lang="en-US" dirty="0">
+                <a:solidFill>
+                  <a:srgbClr val="00B050"/>
+                </a:solidFill>
+              </a:rPr>
+              <a:t> spring( </a:t>
+            </a:r>
+            <a:r>
+              <a:rPr lang="en-US" dirty="0" err="1">
                 <a:solidFill>
                   <a:srgbClr val="00B050"/>
                 </a:solidFill>
@@ -14505,7 +15451,7 @@
               <a:t>jpa</a:t>
             </a:r>
             <a:r>
-              <a:rPr lang="en-US" dirty="0" smtClean="0">
+              <a:rPr lang="en-US" dirty="0">
                 <a:solidFill>
                   <a:srgbClr val="00B050"/>
                 </a:solidFill>
@@ -14513,7 +15459,7 @@
               <a:t>, rest </a:t>
             </a:r>
             <a:r>
-              <a:rPr lang="en-US" dirty="0" err="1" smtClean="0">
+              <a:rPr lang="en-US" dirty="0" err="1">
                 <a:solidFill>
                   <a:srgbClr val="00B050"/>
                 </a:solidFill>
@@ -14521,7 +15467,7 @@
               <a:t>api</a:t>
             </a:r>
             <a:r>
-              <a:rPr lang="en-US" dirty="0" smtClean="0">
+              <a:rPr lang="en-US" dirty="0">
                 <a:solidFill>
                   <a:srgbClr val="00B050"/>
                 </a:solidFill>
@@ -14530,23 +15476,157 @@
             </a:r>
           </a:p>
           <a:p>
+            <a:endParaRPr lang="en-US" dirty="0">
+              <a:solidFill>
+                <a:srgbClr val="00B050"/>
+              </a:solidFill>
+            </a:endParaRPr>
+          </a:p>
+          <a:p>
+            <a:endParaRPr lang="en-US" dirty="0">
+              <a:solidFill>
+                <a:srgbClr val="00B050"/>
+              </a:solidFill>
+            </a:endParaRPr>
+          </a:p>
+          <a:p>
+            <a:r>
+              <a:rPr lang="en-US" dirty="0" err="1">
+                <a:solidFill>
+                  <a:srgbClr val="FF0000"/>
+                </a:solidFill>
+              </a:rPr>
+              <a:t>Kết</a:t>
+            </a:r>
+            <a:r>
+              <a:rPr lang="en-US" dirty="0">
+                <a:solidFill>
+                  <a:srgbClr val="FF0000"/>
+                </a:solidFill>
+              </a:rPr>
+              <a:t> </a:t>
+            </a:r>
+            <a:r>
+              <a:rPr lang="en-US" dirty="0" err="1">
+                <a:solidFill>
+                  <a:srgbClr val="FF0000"/>
+                </a:solidFill>
+              </a:rPr>
+              <a:t>quả</a:t>
+            </a:r>
+            <a:r>
+              <a:rPr lang="en-US" dirty="0">
+                <a:solidFill>
+                  <a:srgbClr val="FF0000"/>
+                </a:solidFill>
+              </a:rPr>
+              <a:t> </a:t>
+            </a:r>
+            <a:r>
+              <a:rPr lang="en-US" dirty="0" err="1">
+                <a:solidFill>
+                  <a:srgbClr val="FF0000"/>
+                </a:solidFill>
+              </a:rPr>
+              <a:t>đạt</a:t>
+            </a:r>
+            <a:r>
+              <a:rPr lang="en-US" dirty="0">
+                <a:solidFill>
+                  <a:srgbClr val="FF0000"/>
+                </a:solidFill>
+              </a:rPr>
+              <a:t> </a:t>
+            </a:r>
+            <a:r>
+              <a:rPr lang="en-US" dirty="0" err="1">
+                <a:solidFill>
+                  <a:srgbClr val="FF0000"/>
+                </a:solidFill>
+              </a:rPr>
+              <a:t>được</a:t>
+            </a:r>
+            <a:r>
+              <a:rPr lang="en-US" dirty="0">
+                <a:solidFill>
+                  <a:srgbClr val="FF0000"/>
+                </a:solidFill>
+              </a:rPr>
+              <a:t>:</a:t>
+            </a:r>
+          </a:p>
+          <a:p>
+            <a:r>
+              <a:rPr lang="en-US" dirty="0"/>
+              <a:t>	</a:t>
+            </a:r>
+            <a:r>
+              <a:rPr lang="en-US" dirty="0" err="1"/>
+              <a:t>xây</a:t>
+            </a:r>
+            <a:r>
+              <a:rPr lang="en-US" dirty="0"/>
+              <a:t> </a:t>
+            </a:r>
+            <a:r>
+              <a:rPr lang="en-US" dirty="0" err="1"/>
+              <a:t>dựng</a:t>
+            </a:r>
+            <a:r>
+              <a:rPr lang="en-US" dirty="0"/>
+              <a:t> </a:t>
+            </a:r>
+            <a:r>
+              <a:rPr lang="en-US" dirty="0" err="1"/>
+              <a:t>trang</a:t>
+            </a:r>
+            <a:r>
+              <a:rPr lang="en-US" dirty="0"/>
+              <a:t> web e-commerce gadget </a:t>
+            </a:r>
+            <a:r>
+              <a:rPr lang="en-US" dirty="0" err="1"/>
+              <a:t>sử</a:t>
+            </a:r>
+            <a:r>
+              <a:rPr lang="en-US" dirty="0"/>
+              <a:t> </a:t>
+            </a:r>
+            <a:r>
+              <a:rPr lang="en-US" dirty="0" err="1"/>
+              <a:t>dụng</a:t>
+            </a:r>
+            <a:r>
+              <a:rPr lang="en-US" dirty="0"/>
+              <a:t> </a:t>
+            </a:r>
+            <a:r>
+              <a:rPr lang="en-US" dirty="0" err="1"/>
+              <a:t>công</a:t>
+            </a:r>
+            <a:r>
+              <a:rPr lang="en-US" dirty="0"/>
+              <a:t> </a:t>
+            </a:r>
+            <a:r>
+              <a:rPr lang="en-US" dirty="0" err="1"/>
+              <a:t>nghệ</a:t>
+            </a:r>
+            <a:r>
+              <a:rPr lang="en-US" dirty="0"/>
+              <a:t> spring &amp; react.</a:t>
+            </a:r>
+          </a:p>
+          <a:p>
             <a:r>
               <a:rPr lang="en-US" b="1" dirty="0">
                 <a:solidFill>
                   <a:srgbClr val="00B050"/>
                 </a:solidFill>
               </a:rPr>
-              <a:t>	</a:t>
-            </a:r>
-            <a:r>
-              <a:rPr lang="en-US" b="1" dirty="0" smtClean="0">
-                <a:solidFill>
-                  <a:srgbClr val="00B050"/>
-                </a:solidFill>
-              </a:rPr>
-              <a:t> </a:t>
-            </a:r>
-            <a:endParaRPr lang="en-US" dirty="0" smtClean="0">
+              <a:t>	 </a:t>
+            </a:r>
+            <a:endParaRPr lang="en-US" dirty="0">
               <a:solidFill>
                 <a:srgbClr val="00B050"/>
               </a:solidFill>
@@ -14564,284 +15644,6 @@
   <p:clrMapOvr>
     <a:masterClrMapping/>
   </p:clrMapOvr>
-  <p:timing>
-    <p:tnLst>
-      <p:par>
-        <p:cTn id="1" dur="indefinite" restart="never" nodeType="tmRoot"/>
-      </p:par>
-    </p:tnLst>
-  </p:timing>
-</p:sld>
-</file>
-
-<file path=ppt/slides/slide8.xml><?xml version="1.0" encoding="utf-8"?>
-<p:sld xmlns:a="http://schemas.openxmlformats.org/drawingml/2006/main" xmlns:r="http://schemas.openxmlformats.org/officeDocument/2006/relationships" xmlns:p="http://schemas.openxmlformats.org/presentationml/2006/main">
-  <p:cSld>
-    <p:spTree>
-      <p:nvGrpSpPr>
-        <p:cNvPr id="1" name=""/>
-        <p:cNvGrpSpPr/>
-        <p:nvPr/>
-      </p:nvGrpSpPr>
-      <p:grpSpPr>
-        <a:xfrm>
-          <a:off x="0" y="0"/>
-          <a:ext cx="0" cy="0"/>
-          <a:chOff x="0" y="0"/>
-          <a:chExt cx="0" cy="0"/>
-        </a:xfrm>
-      </p:grpSpPr>
-      <p:sp>
-        <p:nvSpPr>
-          <p:cNvPr id="2" name="Title 1"/>
-          <p:cNvSpPr>
-            <a:spLocks noGrp="1"/>
-          </p:cNvSpPr>
-          <p:nvPr>
-            <p:ph type="title"/>
-          </p:nvPr>
-        </p:nvSpPr>
-        <p:spPr/>
-        <p:txBody>
-          <a:bodyPr/>
-          <a:lstStyle/>
-          <a:p>
-            <a:r>
-              <a:rPr lang="en-US" dirty="0"/>
-              <a:t>4. </a:t>
-            </a:r>
-            <a:r>
-              <a:rPr lang="en-US" dirty="0" smtClean="0"/>
-              <a:t>DEMO</a:t>
-            </a:r>
-            <a:endParaRPr lang="en-US" dirty="0"/>
-          </a:p>
-        </p:txBody>
-      </p:sp>
-      <p:sp>
-        <p:nvSpPr>
-          <p:cNvPr id="5" name="AutoShape 4" descr="Spring Boot"/>
-          <p:cNvSpPr>
-            <a:spLocks noGrp="1" noChangeAspect="1" noChangeArrowheads="1"/>
-          </p:cNvSpPr>
-          <p:nvPr>
-            <p:ph idx="1"/>
-          </p:nvPr>
-        </p:nvSpPr>
-        <p:spPr bwMode="auto">
-          <a:xfrm>
-            <a:off x="680392" y="2337283"/>
-            <a:ext cx="8825659" cy="3416300"/>
-          </a:xfrm>
-          <a:prstGeom prst="rect">
-            <a:avLst/>
-          </a:prstGeom>
-          <a:noFill/>
-          <a:extLst>
-            <a:ext uri="{909E8E84-426E-40DD-AFC4-6F175D3DCCD1}">
-              <a14:hiddenFill xmlns:a14="http://schemas.microsoft.com/office/drawing/2010/main">
-                <a:solidFill>
-                  <a:srgbClr val="FFFFFF"/>
-                </a:solidFill>
-              </a14:hiddenFill>
-            </a:ext>
-          </a:extLst>
-        </p:spPr>
-        <p:txBody>
-          <a:bodyPr vert="horz" wrap="square" lIns="91440" tIns="45720" rIns="91440" bIns="45720" numCol="1" anchor="t" anchorCtr="0" compatLnSpc="1">
-            <a:prstTxWarp prst="textNoShape">
-              <a:avLst/>
-            </a:prstTxWarp>
-          </a:bodyPr>
-          <a:lstStyle/>
-          <a:p>
-            <a:r>
-              <a:rPr lang="en-US" dirty="0" smtClean="0"/>
-              <a:t>Luồng DEMO</a:t>
-            </a:r>
-          </a:p>
-          <a:p>
-            <a:endParaRPr lang="vi-VN" dirty="0"/>
-          </a:p>
-        </p:txBody>
-      </p:sp>
-      <p:sp>
-        <p:nvSpPr>
-          <p:cNvPr id="4" name="TextBox 3"/>
-          <p:cNvSpPr txBox="1"/>
-          <p:nvPr/>
-        </p:nvSpPr>
-        <p:spPr>
-          <a:xfrm>
-            <a:off x="913537" y="2921136"/>
-            <a:ext cx="7818166" cy="2308324"/>
-          </a:xfrm>
-          <a:prstGeom prst="rect">
-            <a:avLst/>
-          </a:prstGeom>
-          <a:noFill/>
-        </p:spPr>
-        <p:txBody>
-          <a:bodyPr wrap="none" rtlCol="0">
-            <a:spAutoFit/>
-          </a:bodyPr>
-          <a:lstStyle/>
-          <a:p>
-            <a:pPr marL="342900" indent="-342900">
-              <a:buAutoNum type="arabicPeriod"/>
-            </a:pPr>
-            <a:r>
-              <a:rPr lang="en-US" b="1" dirty="0" smtClean="0">
-                <a:solidFill>
-                  <a:schemeClr val="accent5">
-                    <a:lumMod val="75000"/>
-                  </a:schemeClr>
-                </a:solidFill>
-              </a:rPr>
-              <a:t>Các chức năng Sản phẩm: </a:t>
-            </a:r>
-          </a:p>
-          <a:p>
-            <a:pPr marL="800100" lvl="1" indent="-342900">
-              <a:buAutoNum type="arabicPeriod"/>
-            </a:pPr>
-            <a:r>
-              <a:rPr lang="en-US" b="1" dirty="0" smtClean="0">
-                <a:solidFill>
-                  <a:schemeClr val="accent5">
-                    <a:lumMod val="75000"/>
-                  </a:schemeClr>
-                </a:solidFill>
-              </a:rPr>
-              <a:t>Xem danh sách, chi tiết sản phẩm</a:t>
-            </a:r>
-          </a:p>
-          <a:p>
-            <a:pPr marL="342900" indent="-342900">
-              <a:buAutoNum type="arabicPeriod"/>
-            </a:pPr>
-            <a:r>
-              <a:rPr lang="en-US" b="1" dirty="0" smtClean="0">
-                <a:solidFill>
-                  <a:schemeClr val="accent5">
-                    <a:lumMod val="75000"/>
-                  </a:schemeClr>
-                </a:solidFill>
-              </a:rPr>
-              <a:t>Các chức năng tài khoản</a:t>
-            </a:r>
-          </a:p>
-          <a:p>
-            <a:pPr marL="800100" lvl="1" indent="-342900">
-              <a:buAutoNum type="arabicPeriod"/>
-            </a:pPr>
-            <a:r>
-              <a:rPr lang="en-US" b="1" dirty="0" smtClean="0">
-                <a:solidFill>
-                  <a:schemeClr val="accent5">
-                    <a:lumMod val="75000"/>
-                  </a:schemeClr>
-                </a:solidFill>
-              </a:rPr>
-              <a:t>Login, register, bình luận, đánh giá sản phẩm, chức năng cart</a:t>
-            </a:r>
-          </a:p>
-          <a:p>
-            <a:pPr marL="342900" indent="-342900">
-              <a:buAutoNum type="arabicPeriod"/>
-            </a:pPr>
-            <a:r>
-              <a:rPr lang="en-US" b="1" dirty="0" smtClean="0">
-                <a:solidFill>
-                  <a:schemeClr val="accent5">
-                    <a:lumMod val="75000"/>
-                  </a:schemeClr>
-                </a:solidFill>
-              </a:rPr>
-              <a:t>Chức năng đặt hàng</a:t>
-            </a:r>
-          </a:p>
-          <a:p>
-            <a:pPr marL="342900" indent="-342900">
-              <a:buAutoNum type="arabicPeriod"/>
-            </a:pPr>
-            <a:endParaRPr lang="en-US" b="1" dirty="0" smtClean="0">
-              <a:solidFill>
-                <a:schemeClr val="accent5">
-                  <a:lumMod val="75000"/>
-                </a:schemeClr>
-              </a:solidFill>
-            </a:endParaRPr>
-          </a:p>
-          <a:p>
-            <a:r>
-              <a:rPr lang="en-US" dirty="0" smtClean="0">
-                <a:solidFill>
-                  <a:schemeClr val="accent5">
-                    <a:lumMod val="75000"/>
-                  </a:schemeClr>
-                </a:solidFill>
-              </a:rPr>
-              <a:t> </a:t>
-            </a:r>
-            <a:endParaRPr lang="en-US" b="1" dirty="0">
-              <a:solidFill>
-                <a:schemeClr val="accent5">
-                  <a:lumMod val="75000"/>
-                </a:schemeClr>
-              </a:solidFill>
-            </a:endParaRPr>
-          </a:p>
-          <a:p>
-            <a:r>
-              <a:rPr lang="en-US" b="1" dirty="0" smtClean="0">
-                <a:solidFill>
-                  <a:srgbClr val="00B050"/>
-                </a:solidFill>
-              </a:rPr>
-              <a:t>Luồng: Sản phẩm -&gt; tài khoản -&gt; cart -&gt; đặt hàng</a:t>
-            </a:r>
-            <a:r>
-              <a:rPr lang="en-US" b="1" dirty="0">
-                <a:solidFill>
-                  <a:srgbClr val="00B050"/>
-                </a:solidFill>
-              </a:rPr>
-              <a:t>	</a:t>
-            </a:r>
-            <a:r>
-              <a:rPr lang="en-US" b="1" dirty="0" smtClean="0">
-                <a:solidFill>
-                  <a:srgbClr val="00B050"/>
-                </a:solidFill>
-              </a:rPr>
-              <a:t> </a:t>
-            </a:r>
-            <a:endParaRPr lang="en-US" dirty="0" smtClean="0">
-              <a:solidFill>
-                <a:srgbClr val="00B050"/>
-              </a:solidFill>
-            </a:endParaRPr>
-          </a:p>
-        </p:txBody>
-      </p:sp>
-    </p:spTree>
-    <p:extLst>
-      <p:ext uri="{BB962C8B-B14F-4D97-AF65-F5344CB8AC3E}">
-        <p14:creationId xmlns:p14="http://schemas.microsoft.com/office/powerpoint/2010/main" val="4067368574"/>
-      </p:ext>
-    </p:extLst>
-  </p:cSld>
-  <p:clrMapOvr>
-    <a:masterClrMapping/>
-  </p:clrMapOvr>
-  <p:timing>
-    <p:tnLst>
-      <p:par>
-        <p:cTn id="1" dur="indefinite" restart="never" nodeType="tmRoot"/>
-      </p:par>
-    </p:tnLst>
-  </p:timing>
 </p:sld>
 </file>
 
